--- a/napari_allencell_annotator/assets/AnnotatorInstructions.pptx
+++ b/napari_allencell_annotator/assets/AnnotatorInstructions.pptx
@@ -4,12 +4,15 @@
   <p:sldMasterIdLst>
     <p:sldMasterId id="2147483672" r:id="rId1"/>
   </p:sldMasterIdLst>
+  <p:notesMasterIdLst>
+    <p:notesMasterId r:id="rId7"/>
+  </p:notesMasterIdLst>
   <p:sldIdLst>
     <p:sldId id="258" r:id="rId2"/>
     <p:sldId id="259" r:id="rId3"/>
     <p:sldId id="260" r:id="rId4"/>
-    <p:sldId id="261" r:id="rId5"/>
-    <p:sldId id="262" r:id="rId6"/>
+    <p:sldId id="263" r:id="rId5"/>
+    <p:sldId id="264" r:id="rId6"/>
   </p:sldIdLst>
   <p:sldSz cx="7772400" cy="10058400"/>
   <p:notesSz cx="6858000" cy="9144000"/>
@@ -108,7 +111,529 @@
       </a:defRPr>
     </a:lvl9pPr>
   </p:defaultTextStyle>
+  <p:extLst>
+    <p:ext uri="{EFAFB233-063F-42B5-8137-9DF3F51BA10A}">
+      <p15:sldGuideLst xmlns:p15="http://schemas.microsoft.com/office/powerpoint/2012/main"/>
+    </p:ext>
+  </p:extLst>
 </p:presentation>
+</file>
+
+<file path=ppt/notesMasters/notesMaster1.xml><?xml version="1.0" encoding="utf-8"?>
+<p:notesMaster xmlns:a="http://schemas.openxmlformats.org/drawingml/2006/main" xmlns:r="http://schemas.openxmlformats.org/officeDocument/2006/relationships" xmlns:p="http://schemas.openxmlformats.org/presentationml/2006/main">
+  <p:cSld>
+    <p:bg>
+      <p:bgRef idx="1001">
+        <a:schemeClr val="bg1"/>
+      </p:bgRef>
+    </p:bg>
+    <p:spTree>
+      <p:nvGrpSpPr>
+        <p:cNvPr id="1" name=""/>
+        <p:cNvGrpSpPr/>
+        <p:nvPr/>
+      </p:nvGrpSpPr>
+      <p:grpSpPr>
+        <a:xfrm>
+          <a:off x="0" y="0"/>
+          <a:ext cx="0" cy="0"/>
+          <a:chOff x="0" y="0"/>
+          <a:chExt cx="0" cy="0"/>
+        </a:xfrm>
+      </p:grpSpPr>
+      <p:sp>
+        <p:nvSpPr>
+          <p:cNvPr id="2" name="Header Placeholder 1"/>
+          <p:cNvSpPr>
+            <a:spLocks noGrp="1"/>
+          </p:cNvSpPr>
+          <p:nvPr>
+            <p:ph type="hdr" sz="quarter"/>
+          </p:nvPr>
+        </p:nvSpPr>
+        <p:spPr>
+          <a:xfrm>
+            <a:off x="0" y="0"/>
+            <a:ext cx="2971800" cy="458788"/>
+          </a:xfrm>
+          <a:prstGeom prst="rect">
+            <a:avLst/>
+          </a:prstGeom>
+        </p:spPr>
+        <p:txBody>
+          <a:bodyPr vert="horz" lIns="91440" tIns="45720" rIns="91440" bIns="45720" rtlCol="0"/>
+          <a:lstStyle>
+            <a:lvl1pPr algn="l">
+              <a:defRPr sz="1200"/>
+            </a:lvl1pPr>
+          </a:lstStyle>
+          <a:p>
+            <a:endParaRPr lang="en-US"/>
+          </a:p>
+        </p:txBody>
+      </p:sp>
+      <p:sp>
+        <p:nvSpPr>
+          <p:cNvPr id="3" name="Date Placeholder 2"/>
+          <p:cNvSpPr>
+            <a:spLocks noGrp="1"/>
+          </p:cNvSpPr>
+          <p:nvPr>
+            <p:ph type="dt" idx="1"/>
+          </p:nvPr>
+        </p:nvSpPr>
+        <p:spPr>
+          <a:xfrm>
+            <a:off x="3884613" y="0"/>
+            <a:ext cx="2971800" cy="458788"/>
+          </a:xfrm>
+          <a:prstGeom prst="rect">
+            <a:avLst/>
+          </a:prstGeom>
+        </p:spPr>
+        <p:txBody>
+          <a:bodyPr vert="horz" lIns="91440" tIns="45720" rIns="91440" bIns="45720" rtlCol="0"/>
+          <a:lstStyle>
+            <a:lvl1pPr algn="r">
+              <a:defRPr sz="1200"/>
+            </a:lvl1pPr>
+          </a:lstStyle>
+          <a:p>
+            <a:fld id="{83CC781E-0F06-FD41-B712-63B38C3AA153}" type="datetimeFigureOut">
+              <a:rPr lang="en-US" smtClean="0"/>
+              <a:t>8/16/24</a:t>
+            </a:fld>
+            <a:endParaRPr lang="en-US"/>
+          </a:p>
+        </p:txBody>
+      </p:sp>
+      <p:sp>
+        <p:nvSpPr>
+          <p:cNvPr id="4" name="Slide Image Placeholder 3"/>
+          <p:cNvSpPr>
+            <a:spLocks noGrp="1" noRot="1" noChangeAspect="1"/>
+          </p:cNvSpPr>
+          <p:nvPr>
+            <p:ph type="sldImg" idx="2"/>
+          </p:nvPr>
+        </p:nvSpPr>
+        <p:spPr>
+          <a:xfrm>
+            <a:off x="2236788" y="1143000"/>
+            <a:ext cx="2384425" cy="3086100"/>
+          </a:xfrm>
+          <a:prstGeom prst="rect">
+            <a:avLst/>
+          </a:prstGeom>
+          <a:noFill/>
+          <a:ln w="12700">
+            <a:solidFill>
+              <a:prstClr val="black"/>
+            </a:solidFill>
+          </a:ln>
+        </p:spPr>
+        <p:txBody>
+          <a:bodyPr vert="horz" lIns="91440" tIns="45720" rIns="91440" bIns="45720" rtlCol="0" anchor="ctr"/>
+          <a:lstStyle/>
+          <a:p>
+            <a:endParaRPr lang="en-US"/>
+          </a:p>
+        </p:txBody>
+      </p:sp>
+      <p:sp>
+        <p:nvSpPr>
+          <p:cNvPr id="5" name="Notes Placeholder 4"/>
+          <p:cNvSpPr>
+            <a:spLocks noGrp="1"/>
+          </p:cNvSpPr>
+          <p:nvPr>
+            <p:ph type="body" sz="quarter" idx="3"/>
+          </p:nvPr>
+        </p:nvSpPr>
+        <p:spPr>
+          <a:xfrm>
+            <a:off x="685800" y="4400550"/>
+            <a:ext cx="5486400" cy="3600450"/>
+          </a:xfrm>
+          <a:prstGeom prst="rect">
+            <a:avLst/>
+          </a:prstGeom>
+        </p:spPr>
+        <p:txBody>
+          <a:bodyPr vert="horz" lIns="91440" tIns="45720" rIns="91440" bIns="45720" rtlCol="0"/>
+          <a:lstStyle/>
+          <a:p>
+            <a:pPr lvl="0"/>
+            <a:r>
+              <a:rPr lang="en-US"/>
+              <a:t>Click to edit Master text styles</a:t>
+            </a:r>
+          </a:p>
+          <a:p>
+            <a:pPr lvl="1"/>
+            <a:r>
+              <a:rPr lang="en-US"/>
+              <a:t>Second level</a:t>
+            </a:r>
+          </a:p>
+          <a:p>
+            <a:pPr lvl="2"/>
+            <a:r>
+              <a:rPr lang="en-US"/>
+              <a:t>Third level</a:t>
+            </a:r>
+          </a:p>
+          <a:p>
+            <a:pPr lvl="3"/>
+            <a:r>
+              <a:rPr lang="en-US"/>
+              <a:t>Fourth level</a:t>
+            </a:r>
+          </a:p>
+          <a:p>
+            <a:pPr lvl="4"/>
+            <a:r>
+              <a:rPr lang="en-US"/>
+              <a:t>Fifth level</a:t>
+            </a:r>
+          </a:p>
+        </p:txBody>
+      </p:sp>
+      <p:sp>
+        <p:nvSpPr>
+          <p:cNvPr id="6" name="Footer Placeholder 5"/>
+          <p:cNvSpPr>
+            <a:spLocks noGrp="1"/>
+          </p:cNvSpPr>
+          <p:nvPr>
+            <p:ph type="ftr" sz="quarter" idx="4"/>
+          </p:nvPr>
+        </p:nvSpPr>
+        <p:spPr>
+          <a:xfrm>
+            <a:off x="0" y="8685213"/>
+            <a:ext cx="2971800" cy="458787"/>
+          </a:xfrm>
+          <a:prstGeom prst="rect">
+            <a:avLst/>
+          </a:prstGeom>
+        </p:spPr>
+        <p:txBody>
+          <a:bodyPr vert="horz" lIns="91440" tIns="45720" rIns="91440" bIns="45720" rtlCol="0" anchor="b"/>
+          <a:lstStyle>
+            <a:lvl1pPr algn="l">
+              <a:defRPr sz="1200"/>
+            </a:lvl1pPr>
+          </a:lstStyle>
+          <a:p>
+            <a:endParaRPr lang="en-US"/>
+          </a:p>
+        </p:txBody>
+      </p:sp>
+      <p:sp>
+        <p:nvSpPr>
+          <p:cNvPr id="7" name="Slide Number Placeholder 6"/>
+          <p:cNvSpPr>
+            <a:spLocks noGrp="1"/>
+          </p:cNvSpPr>
+          <p:nvPr>
+            <p:ph type="sldNum" sz="quarter" idx="5"/>
+          </p:nvPr>
+        </p:nvSpPr>
+        <p:spPr>
+          <a:xfrm>
+            <a:off x="3884613" y="8685213"/>
+            <a:ext cx="2971800" cy="458787"/>
+          </a:xfrm>
+          <a:prstGeom prst="rect">
+            <a:avLst/>
+          </a:prstGeom>
+        </p:spPr>
+        <p:txBody>
+          <a:bodyPr vert="horz" lIns="91440" tIns="45720" rIns="91440" bIns="45720" rtlCol="0" anchor="b"/>
+          <a:lstStyle>
+            <a:lvl1pPr algn="r">
+              <a:defRPr sz="1200"/>
+            </a:lvl1pPr>
+          </a:lstStyle>
+          <a:p>
+            <a:fld id="{D454FE4E-000F-8F4E-90BC-C8C80D7D35DA}" type="slidenum">
+              <a:rPr lang="en-US" smtClean="0"/>
+              <a:t>‹#›</a:t>
+            </a:fld>
+            <a:endParaRPr lang="en-US"/>
+          </a:p>
+        </p:txBody>
+      </p:sp>
+    </p:spTree>
+    <p:extLst>
+      <p:ext uri="{BB962C8B-B14F-4D97-AF65-F5344CB8AC3E}">
+        <p14:creationId xmlns:p14="http://schemas.microsoft.com/office/powerpoint/2010/main" val="1855783341"/>
+      </p:ext>
+    </p:extLst>
+  </p:cSld>
+  <p:clrMap bg1="lt1" tx1="dk1" bg2="lt2" tx2="dk2" accent1="accent1" accent2="accent2" accent3="accent3" accent4="accent4" accent5="accent5" accent6="accent6" hlink="hlink" folHlink="folHlink"/>
+  <p:notesStyle>
+    <a:lvl1pPr marL="0" algn="l" defTabSz="914400" rtl="0" eaLnBrk="1" latinLnBrk="0" hangingPunct="1">
+      <a:defRPr sz="1200" kern="1200">
+        <a:solidFill>
+          <a:schemeClr val="tx1"/>
+        </a:solidFill>
+        <a:latin typeface="+mn-lt"/>
+        <a:ea typeface="+mn-ea"/>
+        <a:cs typeface="+mn-cs"/>
+      </a:defRPr>
+    </a:lvl1pPr>
+    <a:lvl2pPr marL="457200" algn="l" defTabSz="914400" rtl="0" eaLnBrk="1" latinLnBrk="0" hangingPunct="1">
+      <a:defRPr sz="1200" kern="1200">
+        <a:solidFill>
+          <a:schemeClr val="tx1"/>
+        </a:solidFill>
+        <a:latin typeface="+mn-lt"/>
+        <a:ea typeface="+mn-ea"/>
+        <a:cs typeface="+mn-cs"/>
+      </a:defRPr>
+    </a:lvl2pPr>
+    <a:lvl3pPr marL="914400" algn="l" defTabSz="914400" rtl="0" eaLnBrk="1" latinLnBrk="0" hangingPunct="1">
+      <a:defRPr sz="1200" kern="1200">
+        <a:solidFill>
+          <a:schemeClr val="tx1"/>
+        </a:solidFill>
+        <a:latin typeface="+mn-lt"/>
+        <a:ea typeface="+mn-ea"/>
+        <a:cs typeface="+mn-cs"/>
+      </a:defRPr>
+    </a:lvl3pPr>
+    <a:lvl4pPr marL="1371600" algn="l" defTabSz="914400" rtl="0" eaLnBrk="1" latinLnBrk="0" hangingPunct="1">
+      <a:defRPr sz="1200" kern="1200">
+        <a:solidFill>
+          <a:schemeClr val="tx1"/>
+        </a:solidFill>
+        <a:latin typeface="+mn-lt"/>
+        <a:ea typeface="+mn-ea"/>
+        <a:cs typeface="+mn-cs"/>
+      </a:defRPr>
+    </a:lvl4pPr>
+    <a:lvl5pPr marL="1828800" algn="l" defTabSz="914400" rtl="0" eaLnBrk="1" latinLnBrk="0" hangingPunct="1">
+      <a:defRPr sz="1200" kern="1200">
+        <a:solidFill>
+          <a:schemeClr val="tx1"/>
+        </a:solidFill>
+        <a:latin typeface="+mn-lt"/>
+        <a:ea typeface="+mn-ea"/>
+        <a:cs typeface="+mn-cs"/>
+      </a:defRPr>
+    </a:lvl5pPr>
+    <a:lvl6pPr marL="2286000" algn="l" defTabSz="914400" rtl="0" eaLnBrk="1" latinLnBrk="0" hangingPunct="1">
+      <a:defRPr sz="1200" kern="1200">
+        <a:solidFill>
+          <a:schemeClr val="tx1"/>
+        </a:solidFill>
+        <a:latin typeface="+mn-lt"/>
+        <a:ea typeface="+mn-ea"/>
+        <a:cs typeface="+mn-cs"/>
+      </a:defRPr>
+    </a:lvl6pPr>
+    <a:lvl7pPr marL="2743200" algn="l" defTabSz="914400" rtl="0" eaLnBrk="1" latinLnBrk="0" hangingPunct="1">
+      <a:defRPr sz="1200" kern="1200">
+        <a:solidFill>
+          <a:schemeClr val="tx1"/>
+        </a:solidFill>
+        <a:latin typeface="+mn-lt"/>
+        <a:ea typeface="+mn-ea"/>
+        <a:cs typeface="+mn-cs"/>
+      </a:defRPr>
+    </a:lvl7pPr>
+    <a:lvl8pPr marL="3200400" algn="l" defTabSz="914400" rtl="0" eaLnBrk="1" latinLnBrk="0" hangingPunct="1">
+      <a:defRPr sz="1200" kern="1200">
+        <a:solidFill>
+          <a:schemeClr val="tx1"/>
+        </a:solidFill>
+        <a:latin typeface="+mn-lt"/>
+        <a:ea typeface="+mn-ea"/>
+        <a:cs typeface="+mn-cs"/>
+      </a:defRPr>
+    </a:lvl8pPr>
+    <a:lvl9pPr marL="3657600" algn="l" defTabSz="914400" rtl="0" eaLnBrk="1" latinLnBrk="0" hangingPunct="1">
+      <a:defRPr sz="1200" kern="1200">
+        <a:solidFill>
+          <a:schemeClr val="tx1"/>
+        </a:solidFill>
+        <a:latin typeface="+mn-lt"/>
+        <a:ea typeface="+mn-ea"/>
+        <a:cs typeface="+mn-cs"/>
+      </a:defRPr>
+    </a:lvl9pPr>
+  </p:notesStyle>
+</p:notesMaster>
+</file>
+
+<file path=ppt/notesSlides/notesSlide1.xml><?xml version="1.0" encoding="utf-8"?>
+<p:notes xmlns:a="http://schemas.openxmlformats.org/drawingml/2006/main" xmlns:r="http://schemas.openxmlformats.org/officeDocument/2006/relationships" xmlns:p="http://schemas.openxmlformats.org/presentationml/2006/main">
+  <p:cSld>
+    <p:spTree>
+      <p:nvGrpSpPr>
+        <p:cNvPr id="1" name=""/>
+        <p:cNvGrpSpPr/>
+        <p:nvPr/>
+      </p:nvGrpSpPr>
+      <p:grpSpPr>
+        <a:xfrm>
+          <a:off x="0" y="0"/>
+          <a:ext cx="0" cy="0"/>
+          <a:chOff x="0" y="0"/>
+          <a:chExt cx="0" cy="0"/>
+        </a:xfrm>
+      </p:grpSpPr>
+      <p:sp>
+        <p:nvSpPr>
+          <p:cNvPr id="2" name="Slide Image Placeholder 1"/>
+          <p:cNvSpPr>
+            <a:spLocks noGrp="1" noRot="1" noChangeAspect="1"/>
+          </p:cNvSpPr>
+          <p:nvPr>
+            <p:ph type="sldImg"/>
+          </p:nvPr>
+        </p:nvSpPr>
+        <p:spPr/>
+      </p:sp>
+      <p:sp>
+        <p:nvSpPr>
+          <p:cNvPr id="3" name="Notes Placeholder 2"/>
+          <p:cNvSpPr>
+            <a:spLocks noGrp="1"/>
+          </p:cNvSpPr>
+          <p:nvPr>
+            <p:ph type="body" idx="1"/>
+          </p:nvPr>
+        </p:nvSpPr>
+        <p:spPr/>
+        <p:txBody>
+          <a:bodyPr/>
+          <a:lstStyle/>
+          <a:p>
+            <a:endParaRPr lang="en-US" dirty="0"/>
+          </a:p>
+        </p:txBody>
+      </p:sp>
+      <p:sp>
+        <p:nvSpPr>
+          <p:cNvPr id="4" name="Slide Number Placeholder 3"/>
+          <p:cNvSpPr>
+            <a:spLocks noGrp="1"/>
+          </p:cNvSpPr>
+          <p:nvPr>
+            <p:ph type="sldNum" sz="quarter" idx="5"/>
+          </p:nvPr>
+        </p:nvSpPr>
+        <p:spPr/>
+        <p:txBody>
+          <a:bodyPr/>
+          <a:lstStyle/>
+          <a:p>
+            <a:fld id="{D454FE4E-000F-8F4E-90BC-C8C80D7D35DA}" type="slidenum">
+              <a:rPr lang="en-US" smtClean="0"/>
+              <a:t>4</a:t>
+            </a:fld>
+            <a:endParaRPr lang="en-US"/>
+          </a:p>
+        </p:txBody>
+      </p:sp>
+    </p:spTree>
+    <p:extLst>
+      <p:ext uri="{BB962C8B-B14F-4D97-AF65-F5344CB8AC3E}">
+        <p14:creationId xmlns:p14="http://schemas.microsoft.com/office/powerpoint/2010/main" val="2285260500"/>
+      </p:ext>
+    </p:extLst>
+  </p:cSld>
+  <p:clrMapOvr>
+    <a:masterClrMapping/>
+  </p:clrMapOvr>
+</p:notes>
+</file>
+
+<file path=ppt/notesSlides/notesSlide2.xml><?xml version="1.0" encoding="utf-8"?>
+<p:notes xmlns:a="http://schemas.openxmlformats.org/drawingml/2006/main" xmlns:r="http://schemas.openxmlformats.org/officeDocument/2006/relationships" xmlns:p="http://schemas.openxmlformats.org/presentationml/2006/main">
+  <p:cSld>
+    <p:spTree>
+      <p:nvGrpSpPr>
+        <p:cNvPr id="1" name=""/>
+        <p:cNvGrpSpPr/>
+        <p:nvPr/>
+      </p:nvGrpSpPr>
+      <p:grpSpPr>
+        <a:xfrm>
+          <a:off x="0" y="0"/>
+          <a:ext cx="0" cy="0"/>
+          <a:chOff x="0" y="0"/>
+          <a:chExt cx="0" cy="0"/>
+        </a:xfrm>
+      </p:grpSpPr>
+      <p:sp>
+        <p:nvSpPr>
+          <p:cNvPr id="2" name="Slide Image Placeholder 1"/>
+          <p:cNvSpPr>
+            <a:spLocks noGrp="1" noRot="1" noChangeAspect="1"/>
+          </p:cNvSpPr>
+          <p:nvPr>
+            <p:ph type="sldImg"/>
+          </p:nvPr>
+        </p:nvSpPr>
+        <p:spPr/>
+      </p:sp>
+      <p:sp>
+        <p:nvSpPr>
+          <p:cNvPr id="3" name="Notes Placeholder 2"/>
+          <p:cNvSpPr>
+            <a:spLocks noGrp="1"/>
+          </p:cNvSpPr>
+          <p:nvPr>
+            <p:ph type="body" idx="1"/>
+          </p:nvPr>
+        </p:nvSpPr>
+        <p:spPr/>
+        <p:txBody>
+          <a:bodyPr/>
+          <a:lstStyle/>
+          <a:p>
+            <a:endParaRPr lang="en-US" dirty="0"/>
+          </a:p>
+        </p:txBody>
+      </p:sp>
+      <p:sp>
+        <p:nvSpPr>
+          <p:cNvPr id="4" name="Slide Number Placeholder 3"/>
+          <p:cNvSpPr>
+            <a:spLocks noGrp="1"/>
+          </p:cNvSpPr>
+          <p:nvPr>
+            <p:ph type="sldNum" sz="quarter" idx="5"/>
+          </p:nvPr>
+        </p:nvSpPr>
+        <p:spPr/>
+        <p:txBody>
+          <a:bodyPr/>
+          <a:lstStyle/>
+          <a:p>
+            <a:fld id="{D454FE4E-000F-8F4E-90BC-C8C80D7D35DA}" type="slidenum">
+              <a:rPr lang="en-US" smtClean="0"/>
+              <a:t>5</a:t>
+            </a:fld>
+            <a:endParaRPr lang="en-US"/>
+          </a:p>
+        </p:txBody>
+      </p:sp>
+    </p:spTree>
+    <p:extLst>
+      <p:ext uri="{BB962C8B-B14F-4D97-AF65-F5344CB8AC3E}">
+        <p14:creationId xmlns:p14="http://schemas.microsoft.com/office/powerpoint/2010/main" val="3197374801"/>
+      </p:ext>
+    </p:extLst>
+  </p:cSld>
+  <p:clrMapOvr>
+    <a:masterClrMapping/>
+  </p:clrMapOvr>
+</p:notes>
 </file>
 
 <file path=ppt/slideLayouts/slideLayout1.xml><?xml version="1.0" encoding="utf-8"?>
@@ -242,7 +767,7 @@
           <a:p>
             <a:fld id="{2FB44B54-0ACA-8349-BD70-6A43C4DE48A2}" type="datetimeFigureOut">
               <a:rPr lang="en-US" smtClean="0"/>
-              <a:t>9/13/22</a:t>
+              <a:t>8/16/24</a:t>
             </a:fld>
             <a:endParaRPr lang="en-US"/>
           </a:p>
@@ -412,7 +937,7 @@
           <a:p>
             <a:fld id="{2FB44B54-0ACA-8349-BD70-6A43C4DE48A2}" type="datetimeFigureOut">
               <a:rPr lang="en-US" smtClean="0"/>
-              <a:t>9/13/22</a:t>
+              <a:t>8/16/24</a:t>
             </a:fld>
             <a:endParaRPr lang="en-US"/>
           </a:p>
@@ -592,7 +1117,7 @@
           <a:p>
             <a:fld id="{2FB44B54-0ACA-8349-BD70-6A43C4DE48A2}" type="datetimeFigureOut">
               <a:rPr lang="en-US" smtClean="0"/>
-              <a:t>9/13/22</a:t>
+              <a:t>8/16/24</a:t>
             </a:fld>
             <a:endParaRPr lang="en-US"/>
           </a:p>
@@ -762,7 +1287,7 @@
           <a:p>
             <a:fld id="{2FB44B54-0ACA-8349-BD70-6A43C4DE48A2}" type="datetimeFigureOut">
               <a:rPr lang="en-US" smtClean="0"/>
-              <a:t>9/13/22</a:t>
+              <a:t>8/16/24</a:t>
             </a:fld>
             <a:endParaRPr lang="en-US"/>
           </a:p>
@@ -1006,7 +1531,7 @@
           <a:p>
             <a:fld id="{2FB44B54-0ACA-8349-BD70-6A43C4DE48A2}" type="datetimeFigureOut">
               <a:rPr lang="en-US" smtClean="0"/>
-              <a:t>9/13/22</a:t>
+              <a:t>8/16/24</a:t>
             </a:fld>
             <a:endParaRPr lang="en-US"/>
           </a:p>
@@ -1238,7 +1763,7 @@
           <a:p>
             <a:fld id="{2FB44B54-0ACA-8349-BD70-6A43C4DE48A2}" type="datetimeFigureOut">
               <a:rPr lang="en-US" smtClean="0"/>
-              <a:t>9/13/22</a:t>
+              <a:t>8/16/24</a:t>
             </a:fld>
             <a:endParaRPr lang="en-US"/>
           </a:p>
@@ -1605,7 +2130,7 @@
           <a:p>
             <a:fld id="{2FB44B54-0ACA-8349-BD70-6A43C4DE48A2}" type="datetimeFigureOut">
               <a:rPr lang="en-US" smtClean="0"/>
-              <a:t>9/13/22</a:t>
+              <a:t>8/16/24</a:t>
             </a:fld>
             <a:endParaRPr lang="en-US"/>
           </a:p>
@@ -1723,7 +2248,7 @@
           <a:p>
             <a:fld id="{2FB44B54-0ACA-8349-BD70-6A43C4DE48A2}" type="datetimeFigureOut">
               <a:rPr lang="en-US" smtClean="0"/>
-              <a:t>9/13/22</a:t>
+              <a:t>8/16/24</a:t>
             </a:fld>
             <a:endParaRPr lang="en-US"/>
           </a:p>
@@ -1818,7 +2343,7 @@
           <a:p>
             <a:fld id="{2FB44B54-0ACA-8349-BD70-6A43C4DE48A2}" type="datetimeFigureOut">
               <a:rPr lang="en-US" smtClean="0"/>
-              <a:t>9/13/22</a:t>
+              <a:t>8/16/24</a:t>
             </a:fld>
             <a:endParaRPr lang="en-US"/>
           </a:p>
@@ -2095,7 +2620,7 @@
           <a:p>
             <a:fld id="{2FB44B54-0ACA-8349-BD70-6A43C4DE48A2}" type="datetimeFigureOut">
               <a:rPr lang="en-US" smtClean="0"/>
-              <a:t>9/13/22</a:t>
+              <a:t>8/16/24</a:t>
             </a:fld>
             <a:endParaRPr lang="en-US"/>
           </a:p>
@@ -2352,7 +2877,7 @@
           <a:p>
             <a:fld id="{2FB44B54-0ACA-8349-BD70-6A43C4DE48A2}" type="datetimeFigureOut">
               <a:rPr lang="en-US" smtClean="0"/>
-              <a:t>9/13/22</a:t>
+              <a:t>8/16/24</a:t>
             </a:fld>
             <a:endParaRPr lang="en-US"/>
           </a:p>
@@ -2565,7 +3090,7 @@
           <a:p>
             <a:fld id="{2FB44B54-0ACA-8349-BD70-6A43C4DE48A2}" type="datetimeFigureOut">
               <a:rPr lang="en-US" smtClean="0"/>
-              <a:t>9/13/22</a:t>
+              <a:t>8/16/24</a:t>
             </a:fld>
             <a:endParaRPr lang="en-US"/>
           </a:p>
@@ -2972,58 +3497,6 @@
       </p:grpSpPr>
       <p:sp>
         <p:nvSpPr>
-          <p:cNvPr id="50" name="Rectangle 49">
-            <a:extLst>
-              <a:ext uri="{FF2B5EF4-FFF2-40B4-BE49-F238E27FC236}">
-                <a16:creationId xmlns:a16="http://schemas.microsoft.com/office/drawing/2014/main" id="{31B2F0BB-C8E7-B3E1-0A5E-F3479C4EA1EB}"/>
-              </a:ext>
-            </a:extLst>
-          </p:cNvPr>
-          <p:cNvSpPr/>
-          <p:nvPr/>
-        </p:nvSpPr>
-        <p:spPr>
-          <a:xfrm>
-            <a:off x="4878391" y="1178254"/>
-            <a:ext cx="1570417" cy="747973"/>
-          </a:xfrm>
-          <a:prstGeom prst="rect">
-            <a:avLst/>
-          </a:prstGeom>
-          <a:solidFill>
-            <a:schemeClr val="accent2">
-              <a:lumMod val="40000"/>
-              <a:lumOff val="60000"/>
-            </a:schemeClr>
-          </a:solidFill>
-        </p:spPr>
-        <p:style>
-          <a:lnRef idx="2">
-            <a:schemeClr val="accent1">
-              <a:shade val="50000"/>
-            </a:schemeClr>
-          </a:lnRef>
-          <a:fillRef idx="1">
-            <a:schemeClr val="accent1"/>
-          </a:fillRef>
-          <a:effectRef idx="0">
-            <a:schemeClr val="accent1"/>
-          </a:effectRef>
-          <a:fontRef idx="minor">
-            <a:schemeClr val="lt1"/>
-          </a:fontRef>
-        </p:style>
-        <p:txBody>
-          <a:bodyPr rtlCol="0" anchor="ctr"/>
-          <a:lstStyle/>
-          <a:p>
-            <a:pPr algn="ctr"/>
-            <a:endParaRPr lang="en-US"/>
-          </a:p>
-        </p:txBody>
-      </p:sp>
-      <p:sp>
-        <p:nvSpPr>
           <p:cNvPr id="18" name="Rectangle 17">
             <a:extLst>
               <a:ext uri="{FF2B5EF4-FFF2-40B4-BE49-F238E27FC236}">
@@ -3240,6 +3713,58 @@
               <a:rPr lang="en-US" sz="1300" dirty="0"/>
               <a:t>to multi-select files.</a:t>
             </a:r>
+          </a:p>
+        </p:txBody>
+      </p:sp>
+      <p:sp>
+        <p:nvSpPr>
+          <p:cNvPr id="50" name="Rectangle 49">
+            <a:extLst>
+              <a:ext uri="{FF2B5EF4-FFF2-40B4-BE49-F238E27FC236}">
+                <a16:creationId xmlns:a16="http://schemas.microsoft.com/office/drawing/2014/main" id="{31B2F0BB-C8E7-B3E1-0A5E-F3479C4EA1EB}"/>
+              </a:ext>
+            </a:extLst>
+          </p:cNvPr>
+          <p:cNvSpPr/>
+          <p:nvPr/>
+        </p:nvSpPr>
+        <p:spPr>
+          <a:xfrm>
+            <a:off x="4878391" y="1178254"/>
+            <a:ext cx="1827209" cy="747973"/>
+          </a:xfrm>
+          <a:prstGeom prst="rect">
+            <a:avLst/>
+          </a:prstGeom>
+          <a:solidFill>
+            <a:schemeClr val="accent2">
+              <a:lumMod val="40000"/>
+              <a:lumOff val="60000"/>
+            </a:schemeClr>
+          </a:solidFill>
+        </p:spPr>
+        <p:style>
+          <a:lnRef idx="2">
+            <a:schemeClr val="accent1">
+              <a:shade val="50000"/>
+            </a:schemeClr>
+          </a:lnRef>
+          <a:fillRef idx="1">
+            <a:schemeClr val="accent1"/>
+          </a:fillRef>
+          <a:effectRef idx="0">
+            <a:schemeClr val="accent1"/>
+          </a:effectRef>
+          <a:fontRef idx="minor">
+            <a:schemeClr val="lt1"/>
+          </a:fontRef>
+        </p:style>
+        <p:txBody>
+          <a:bodyPr rtlCol="0" anchor="ctr"/>
+          <a:lstStyle/>
+          <a:p>
+            <a:pPr algn="ctr"/>
+            <a:endParaRPr lang="en-US"/>
           </a:p>
         </p:txBody>
       </p:sp>
@@ -4185,8 +4710,8 @@
         </p:nvSpPr>
         <p:spPr>
           <a:xfrm>
-            <a:off x="5753260" y="1292409"/>
-            <a:ext cx="695549" cy="461665"/>
+            <a:off x="5753259" y="1197324"/>
+            <a:ext cx="990441" cy="646331"/>
           </a:xfrm>
           <a:prstGeom prst="rect">
             <a:avLst/>
@@ -4221,6 +4746,17 @@
               <a:rPr lang="en-US" sz="1200" dirty="0"/>
               <a:t> </a:t>
             </a:r>
+          </a:p>
+          <a:p>
+            <a:pPr marL="171450" indent="-171450">
+              <a:buFont typeface="Arial" panose="020B0604020202020204" pitchFamily="34" charset="0"/>
+              <a:buChar char="•"/>
+            </a:pPr>
+            <a:r>
+              <a:rPr lang="en-US" sz="1200" dirty="0" err="1"/>
+              <a:t>ome.zarr</a:t>
+            </a:r>
+            <a:endParaRPr lang="en-US" sz="1200" dirty="0"/>
           </a:p>
         </p:txBody>
       </p:sp>
@@ -4506,7 +5042,7 @@
         <p:spPr>
           <a:xfrm>
             <a:off x="338382" y="1906134"/>
-            <a:ext cx="7095614" cy="7540526"/>
+            <a:ext cx="7095614" cy="7617470"/>
           </a:xfrm>
           <a:prstGeom prst="rect">
             <a:avLst/>
@@ -4766,7 +5302,7 @@
             </a:pPr>
             <a:r>
               <a:rPr lang="en-US" sz="1400" dirty="0"/>
-              <a:t>There are 4 annotation types:</a:t>
+              <a:t>There are 5 annotation types:</a:t>
             </a:r>
           </a:p>
           <a:p>
@@ -4803,6 +5339,15 @@
             <a:r>
               <a:rPr lang="en-US" sz="1400" dirty="0"/>
               <a:t>Dropdown: allows the annotator to select from a set list of options.</a:t>
+            </a:r>
+          </a:p>
+          <a:p>
+            <a:pPr marL="800100" lvl="1" indent="-342900">
+              <a:buAutoNum type="arabicPeriod"/>
+            </a:pPr>
+            <a:r>
+              <a:rPr lang="en-US" sz="1400" dirty="0"/>
+              <a:t>Point: allows creating points on an image.</a:t>
             </a:r>
           </a:p>
           <a:p>
@@ -5965,44 +6510,6 @@
       </p:sp>
       <p:sp>
         <p:nvSpPr>
-          <p:cNvPr id="3" name="Content Placeholder 2">
-            <a:extLst>
-              <a:ext uri="{FF2B5EF4-FFF2-40B4-BE49-F238E27FC236}">
-                <a16:creationId xmlns:a16="http://schemas.microsoft.com/office/drawing/2014/main" id="{BE17A925-F07E-9E8D-FFEB-EAF9D52CCE08}"/>
-              </a:ext>
-            </a:extLst>
-          </p:cNvPr>
-          <p:cNvSpPr>
-            <a:spLocks noGrp="1"/>
-          </p:cNvSpPr>
-          <p:nvPr>
-            <p:ph idx="1"/>
-          </p:nvPr>
-        </p:nvSpPr>
-        <p:spPr>
-          <a:xfrm>
-            <a:off x="2549577" y="1266772"/>
-            <a:ext cx="2673224" cy="510359"/>
-          </a:xfrm>
-        </p:spPr>
-        <p:txBody>
-          <a:bodyPr>
-            <a:normAutofit fontScale="92500"/>
-          </a:bodyPr>
-          <a:lstStyle/>
-          <a:p>
-            <a:pPr marL="0" indent="0">
-              <a:buNone/>
-            </a:pPr>
-            <a:r>
-              <a:rPr lang="en-US" sz="2000" dirty="0"/>
-              <a:t>Annotator: Helpful Hints</a:t>
-            </a:r>
-          </a:p>
-        </p:txBody>
-      </p:sp>
-      <p:sp>
-        <p:nvSpPr>
           <p:cNvPr id="11" name="TextBox 10">
             <a:extLst>
               <a:ext uri="{FF2B5EF4-FFF2-40B4-BE49-F238E27FC236}">
@@ -6098,10 +6605,10 @@
       </p:sp>
       <p:sp>
         <p:nvSpPr>
-          <p:cNvPr id="26" name="Rectangle 25">
+          <p:cNvPr id="5" name="Rectangle 4">
             <a:extLst>
               <a:ext uri="{FF2B5EF4-FFF2-40B4-BE49-F238E27FC236}">
-                <a16:creationId xmlns:a16="http://schemas.microsoft.com/office/drawing/2014/main" id="{CBBBF7B0-667F-688F-5855-00A85C90A87F}"/>
+                <a16:creationId xmlns:a16="http://schemas.microsoft.com/office/drawing/2014/main" id="{17B336FA-803F-A8E5-C6B3-729188E75246}"/>
               </a:ext>
             </a:extLst>
           </p:cNvPr>
@@ -6110,8 +6617,8 @@
         </p:nvSpPr>
         <p:spPr>
           <a:xfrm>
-            <a:off x="338391" y="1695302"/>
-            <a:ext cx="7095615" cy="314014"/>
+            <a:off x="338390" y="1474381"/>
+            <a:ext cx="7095618" cy="314014"/>
           </a:xfrm>
           <a:prstGeom prst="rect">
             <a:avLst/>
@@ -6147,10 +6654,10 @@
       </p:sp>
       <p:sp>
         <p:nvSpPr>
-          <p:cNvPr id="27" name="TextBox 26">
+          <p:cNvPr id="6" name="TextBox 5">
             <a:extLst>
               <a:ext uri="{FF2B5EF4-FFF2-40B4-BE49-F238E27FC236}">
-                <a16:creationId xmlns:a16="http://schemas.microsoft.com/office/drawing/2014/main" id="{B6638BEB-5EB1-2FAF-07E4-0AD2E7A18EC5}"/>
+                <a16:creationId xmlns:a16="http://schemas.microsoft.com/office/drawing/2014/main" id="{369D795B-301A-2E55-B040-18D3A34553B2}"/>
               </a:ext>
             </a:extLst>
           </p:cNvPr>
@@ -6159,8 +6666,8 @@
         </p:nvSpPr>
         <p:spPr>
           <a:xfrm>
-            <a:off x="338382" y="1695302"/>
-            <a:ext cx="7095614" cy="8156079"/>
+            <a:off x="338386" y="1475116"/>
+            <a:ext cx="7095620" cy="3554819"/>
           </a:xfrm>
           <a:prstGeom prst="rect">
             <a:avLst/>
@@ -6184,7 +6691,7 @@
             <a:pPr algn="ctr"/>
             <a:r>
               <a:rPr lang="en-US" sz="1700" b="1" dirty="0"/>
-              <a:t>Keyboard Shortcuts</a:t>
+              <a:t>Point Annotating</a:t>
             </a:r>
           </a:p>
           <a:p>
@@ -6196,173 +6703,102 @@
               <a:buFont typeface="Arial" panose="020B0604020202020204" pitchFamily="34" charset="0"/>
               <a:buChar char="•"/>
             </a:pPr>
+            <a:endParaRPr lang="en-US" sz="1300" b="1" dirty="0"/>
+          </a:p>
+          <a:p>
+            <a:pPr marL="285750" indent="-285750">
+              <a:buFont typeface="Arial" panose="020B0604020202020204" pitchFamily="34" charset="0"/>
+              <a:buChar char="•"/>
+            </a:pPr>
+            <a:endParaRPr lang="en-US" sz="1300" b="1" dirty="0"/>
+          </a:p>
+          <a:p>
+            <a:pPr marL="285750" indent="-285750">
+              <a:buFont typeface="Arial" panose="020B0604020202020204" pitchFamily="34" charset="0"/>
+              <a:buChar char="•"/>
+            </a:pPr>
+            <a:endParaRPr lang="en-US" sz="1300" b="1" dirty="0"/>
+          </a:p>
+          <a:p>
+            <a:pPr marL="285750" indent="-285750">
+              <a:buFont typeface="Arial" panose="020B0604020202020204" pitchFamily="34" charset="0"/>
+              <a:buChar char="•"/>
+            </a:pPr>
+            <a:endParaRPr lang="en-US" sz="1300" b="1" dirty="0"/>
+          </a:p>
+          <a:p>
+            <a:pPr marL="285750" indent="-285750">
+              <a:buFont typeface="Arial" panose="020B0604020202020204" pitchFamily="34" charset="0"/>
+              <a:buChar char="•"/>
+            </a:pPr>
+            <a:endParaRPr lang="en-US" sz="1300" b="1" dirty="0"/>
+          </a:p>
+          <a:p>
+            <a:pPr marL="285750" indent="-285750">
+              <a:buFont typeface="Arial" panose="020B0604020202020204" pitchFamily="34" charset="0"/>
+              <a:buChar char="•"/>
+            </a:pPr>
+            <a:endParaRPr lang="en-US" sz="1300" b="1" dirty="0"/>
+          </a:p>
+          <a:p>
+            <a:pPr marL="285750" indent="-285750">
+              <a:buFont typeface="Arial" panose="020B0604020202020204" pitchFamily="34" charset="0"/>
+              <a:buChar char="•"/>
+            </a:pPr>
+            <a:endParaRPr lang="en-US" sz="1300" b="1" dirty="0"/>
+          </a:p>
+          <a:p>
+            <a:pPr marL="285750" indent="-285750">
+              <a:buFont typeface="Arial" panose="020B0604020202020204" pitchFamily="34" charset="0"/>
+              <a:buChar char="•"/>
+            </a:pPr>
+            <a:endParaRPr lang="en-US" sz="1300" b="1" dirty="0"/>
+          </a:p>
+          <a:p>
+            <a:pPr marL="285750" indent="-285750">
+              <a:buFont typeface="Arial" panose="020B0604020202020204" pitchFamily="34" charset="0"/>
+              <a:buChar char="•"/>
+            </a:pPr>
+            <a:endParaRPr lang="en-US" sz="1300" b="1" dirty="0"/>
+          </a:p>
+          <a:p>
+            <a:pPr marL="285750" indent="-285750">
+              <a:buFont typeface="Arial" panose="020B0604020202020204" pitchFamily="34" charset="0"/>
+              <a:buChar char="•"/>
+            </a:pPr>
+            <a:endParaRPr lang="en-US" sz="1300" b="1" dirty="0"/>
+          </a:p>
+          <a:p>
+            <a:pPr marL="285750" indent="-285750">
+              <a:buFont typeface="Arial" panose="020B0604020202020204" pitchFamily="34" charset="0"/>
+              <a:buChar char="•"/>
+            </a:pPr>
+            <a:endParaRPr lang="en-US" sz="1300" b="1" dirty="0"/>
+          </a:p>
+          <a:p>
+            <a:pPr marL="285750" indent="-285750">
+              <a:buFont typeface="Arial" panose="020B0604020202020204" pitchFamily="34" charset="0"/>
+              <a:buChar char="•"/>
+            </a:pPr>
+            <a:endParaRPr lang="en-US" sz="800" b="1" dirty="0"/>
+          </a:p>
+          <a:p>
+            <a:pPr marL="285750" indent="-285750">
+              <a:buFont typeface="Arial" panose="020B0604020202020204" pitchFamily="34" charset="0"/>
+              <a:buChar char="•"/>
+            </a:pPr>
             <a:r>
               <a:rPr lang="en-US" sz="1300" dirty="0"/>
-              <a:t>The following keyboard shortcuts can be used while annotating.</a:t>
-            </a:r>
-          </a:p>
-          <a:p>
-            <a:pPr marL="285750" indent="-285750">
-              <a:buFont typeface="Arial" panose="020B0604020202020204" pitchFamily="34" charset="0"/>
-              <a:buChar char="•"/>
-            </a:pPr>
-            <a:endParaRPr lang="en-US" sz="1400" dirty="0"/>
-          </a:p>
-          <a:p>
-            <a:pPr marL="285750" indent="-285750">
-              <a:buFont typeface="Arial" panose="020B0604020202020204" pitchFamily="34" charset="0"/>
-              <a:buChar char="•"/>
-            </a:pPr>
-            <a:endParaRPr lang="en-US" sz="1400" dirty="0"/>
-          </a:p>
-          <a:p>
-            <a:pPr marL="285750" indent="-285750">
-              <a:buFont typeface="Arial" panose="020B0604020202020204" pitchFamily="34" charset="0"/>
-              <a:buChar char="•"/>
-            </a:pPr>
-            <a:endParaRPr lang="en-US" sz="1400" dirty="0"/>
-          </a:p>
-          <a:p>
-            <a:pPr marL="285750" indent="-285750">
-              <a:buFont typeface="Arial" panose="020B0604020202020204" pitchFamily="34" charset="0"/>
-              <a:buChar char="•"/>
-            </a:pPr>
-            <a:endParaRPr lang="en-US" sz="1400" dirty="0"/>
-          </a:p>
-          <a:p>
-            <a:pPr marL="285750" indent="-285750">
-              <a:buFont typeface="Arial" panose="020B0604020202020204" pitchFamily="34" charset="0"/>
-              <a:buChar char="•"/>
-            </a:pPr>
-            <a:endParaRPr lang="en-US" sz="1400" dirty="0"/>
-          </a:p>
-          <a:p>
-            <a:pPr marL="285750" indent="-285750">
-              <a:buFont typeface="Arial" panose="020B0604020202020204" pitchFamily="34" charset="0"/>
-              <a:buChar char="•"/>
-            </a:pPr>
-            <a:endParaRPr lang="en-US" sz="1400" dirty="0"/>
-          </a:p>
-          <a:p>
-            <a:pPr marL="285750" indent="-285750">
-              <a:buFont typeface="Arial" panose="020B0604020202020204" pitchFamily="34" charset="0"/>
-              <a:buChar char="•"/>
-            </a:pPr>
-            <a:endParaRPr lang="en-US" sz="1400" dirty="0"/>
-          </a:p>
-          <a:p>
-            <a:pPr marL="285750" indent="-285750">
-              <a:buFont typeface="Arial" panose="020B0604020202020204" pitchFamily="34" charset="0"/>
-              <a:buChar char="•"/>
-            </a:pPr>
-            <a:endParaRPr lang="en-US" sz="1400" dirty="0"/>
-          </a:p>
-          <a:p>
-            <a:pPr marL="285750" indent="-285750">
-              <a:buFont typeface="Arial" panose="020B0604020202020204" pitchFamily="34" charset="0"/>
-              <a:buChar char="•"/>
-            </a:pPr>
-            <a:endParaRPr lang="en-US" sz="1400" dirty="0"/>
-          </a:p>
-          <a:p>
-            <a:pPr marL="285750" indent="-285750">
-              <a:buFont typeface="Arial" panose="020B0604020202020204" pitchFamily="34" charset="0"/>
-              <a:buChar char="•"/>
-            </a:pPr>
-            <a:endParaRPr lang="en-US" sz="1400" dirty="0"/>
-          </a:p>
-          <a:p>
-            <a:endParaRPr lang="en-US" sz="1400" dirty="0"/>
-          </a:p>
-          <a:p>
-            <a:endParaRPr lang="en-US" sz="500" dirty="0"/>
-          </a:p>
-          <a:p>
-            <a:pPr marL="285750" indent="-285750">
-              <a:buFont typeface="Arial" panose="020B0604020202020204" pitchFamily="34" charset="0"/>
-              <a:buChar char="•"/>
-            </a:pPr>
-            <a:endParaRPr lang="en-US" sz="1400" dirty="0"/>
-          </a:p>
-          <a:p>
-            <a:pPr marL="285750" indent="-285750">
-              <a:buFont typeface="Arial" panose="020B0604020202020204" pitchFamily="34" charset="0"/>
-              <a:buChar char="•"/>
-            </a:pPr>
-            <a:endParaRPr lang="en-US" sz="1400" dirty="0"/>
-          </a:p>
-          <a:p>
-            <a:pPr marL="285750" indent="-285750">
-              <a:buFont typeface="Arial" panose="020B0604020202020204" pitchFamily="34" charset="0"/>
-              <a:buChar char="•"/>
-            </a:pPr>
-            <a:endParaRPr lang="en-US" sz="1400" dirty="0"/>
-          </a:p>
-          <a:p>
-            <a:pPr marL="285750" indent="-285750">
-              <a:buFont typeface="Arial" panose="020B0604020202020204" pitchFamily="34" charset="0"/>
-              <a:buChar char="•"/>
-            </a:pPr>
-            <a:endParaRPr lang="en-US" sz="500" dirty="0"/>
-          </a:p>
-          <a:p>
-            <a:pPr marL="285750" indent="-285750">
-              <a:buFont typeface="Arial" panose="020B0604020202020204" pitchFamily="34" charset="0"/>
-              <a:buChar char="•"/>
-            </a:pPr>
+              <a:t>To start point annotating, click </a:t>
+            </a:r>
+            <a:r>
+              <a:rPr lang="en-US" sz="1300" b="1" dirty="0"/>
+              <a:t>Select</a:t>
+            </a:r>
             <a:r>
               <a:rPr lang="en-US" sz="1300" dirty="0"/>
-              <a:t>The annotation highlighted in green is the current annotation. To move the cursor/focus up or down an annotation, use the following.   </a:t>
-            </a:r>
-          </a:p>
-          <a:p>
-            <a:pPr marL="285750" indent="-285750">
-              <a:buFont typeface="Arial" panose="020B0604020202020204" pitchFamily="34" charset="0"/>
-              <a:buChar char="•"/>
-            </a:pPr>
-            <a:endParaRPr lang="en-US" sz="1400" dirty="0"/>
-          </a:p>
-          <a:p>
-            <a:pPr marL="285750" indent="-285750">
-              <a:buFont typeface="Arial" panose="020B0604020202020204" pitchFamily="34" charset="0"/>
-              <a:buChar char="•"/>
-            </a:pPr>
-            <a:endParaRPr lang="en-US" sz="1400" dirty="0"/>
-          </a:p>
-          <a:p>
-            <a:pPr marL="285750" indent="-285750">
-              <a:buFont typeface="Arial" panose="020B0604020202020204" pitchFamily="34" charset="0"/>
-              <a:buChar char="•"/>
-            </a:pPr>
-            <a:endParaRPr lang="en-US" sz="1400" dirty="0"/>
-          </a:p>
-          <a:p>
-            <a:pPr marL="285750" indent="-285750">
-              <a:buFont typeface="Arial" panose="020B0604020202020204" pitchFamily="34" charset="0"/>
-              <a:buChar char="•"/>
-            </a:pPr>
-            <a:endParaRPr lang="en-US" sz="1400" dirty="0"/>
-          </a:p>
-          <a:p>
-            <a:pPr marL="285750" indent="-285750">
-              <a:buFont typeface="Arial" panose="020B0604020202020204" pitchFamily="34" charset="0"/>
-              <a:buChar char="•"/>
-            </a:pPr>
-            <a:endParaRPr lang="en-US" sz="1400" dirty="0"/>
-          </a:p>
-          <a:p>
-            <a:pPr marL="285750" indent="-285750">
-              <a:buFont typeface="Arial" panose="020B0604020202020204" pitchFamily="34" charset="0"/>
-              <a:buChar char="•"/>
-            </a:pPr>
-            <a:endParaRPr lang="en-US" sz="1400" dirty="0"/>
-          </a:p>
-          <a:p>
-            <a:pPr marL="285750" indent="-285750">
-              <a:buFont typeface="Arial" panose="020B0604020202020204" pitchFamily="34" charset="0"/>
-              <a:buChar char="•"/>
-            </a:pPr>
-            <a:endParaRPr lang="en-US" sz="1400" dirty="0"/>
+              <a:t>. You will be able to add points to the image.</a:t>
+            </a:r>
           </a:p>
           <a:p>
             <a:pPr marL="285750" indent="-285750">
@@ -6371,82 +6807,35 @@
             </a:pPr>
             <a:r>
               <a:rPr lang="en-US" sz="1300" dirty="0"/>
-              <a:t>Depending on the current annotation type, there are additional shortcuts. </a:t>
-            </a:r>
-          </a:p>
-          <a:p>
-            <a:pPr marL="285750" indent="-285750">
-              <a:buFont typeface="Arial" panose="020B0604020202020204" pitchFamily="34" charset="0"/>
-              <a:buChar char="•"/>
-            </a:pPr>
-            <a:endParaRPr lang="en-US" sz="1300" dirty="0"/>
-          </a:p>
-          <a:p>
-            <a:pPr marL="285750" indent="-285750">
-              <a:buFont typeface="Arial" panose="020B0604020202020204" pitchFamily="34" charset="0"/>
-              <a:buChar char="•"/>
-            </a:pPr>
-            <a:endParaRPr lang="en-US" sz="1300" dirty="0"/>
-          </a:p>
-          <a:p>
-            <a:pPr marL="285750" indent="-285750">
-              <a:buFont typeface="Arial" panose="020B0604020202020204" pitchFamily="34" charset="0"/>
-              <a:buChar char="•"/>
-            </a:pPr>
-            <a:endParaRPr lang="en-US" sz="1300" dirty="0"/>
-          </a:p>
-          <a:p>
-            <a:pPr marL="285750" indent="-285750">
-              <a:buFont typeface="Arial" panose="020B0604020202020204" pitchFamily="34" charset="0"/>
-              <a:buChar char="•"/>
-            </a:pPr>
-            <a:endParaRPr lang="en-US" sz="1300" dirty="0"/>
-          </a:p>
-          <a:p>
-            <a:endParaRPr lang="en-US" sz="1300" dirty="0"/>
-          </a:p>
-          <a:p>
-            <a:endParaRPr lang="en-US" sz="1300" dirty="0"/>
-          </a:p>
-          <a:p>
-            <a:pPr marL="285750" indent="-285750">
-              <a:buFont typeface="Arial" panose="020B0604020202020204" pitchFamily="34" charset="0"/>
-              <a:buChar char="•"/>
-            </a:pPr>
-            <a:endParaRPr lang="en-US" sz="1300" dirty="0"/>
-          </a:p>
-          <a:p>
-            <a:pPr marL="285750" indent="-285750">
-              <a:buFont typeface="Arial" panose="020B0604020202020204" pitchFamily="34" charset="0"/>
-              <a:buChar char="•"/>
-            </a:pPr>
-            <a:endParaRPr lang="en-US" sz="1300" dirty="0"/>
-          </a:p>
-          <a:p>
-            <a:pPr marL="285750" indent="-285750">
-              <a:buFont typeface="Arial" panose="020B0604020202020204" pitchFamily="34" charset="0"/>
-              <a:buChar char="•"/>
-            </a:pPr>
-            <a:endParaRPr lang="en-US" sz="1400" dirty="0"/>
-          </a:p>
-          <a:p>
-            <a:endParaRPr lang="en-US" sz="1400" dirty="0"/>
-          </a:p>
-          <a:p>
-            <a:pPr marL="285750" indent="-285750">
-              <a:buFont typeface="Arial" panose="020B0604020202020204" pitchFamily="34" charset="0"/>
-              <a:buChar char="•"/>
-            </a:pPr>
-            <a:endParaRPr lang="en-US" sz="1400" dirty="0"/>
+              <a:t>Click </a:t>
+            </a:r>
+            <a:r>
+              <a:rPr lang="en-US" sz="1300" b="1" dirty="0"/>
+              <a:t>Finish</a:t>
+            </a:r>
+            <a:r>
+              <a:rPr lang="en-US" sz="1300" dirty="0"/>
+              <a:t> to complete.</a:t>
+            </a:r>
+          </a:p>
+          <a:p>
+            <a:pPr marL="742950" lvl="1" indent="-285750">
+              <a:buFont typeface="Arial" panose="020B0604020202020204" pitchFamily="34" charset="0"/>
+              <a:buChar char="•"/>
+            </a:pPr>
+            <a:r>
+              <a:rPr lang="en-US" sz="1300" dirty="0"/>
+              <a:t>If you move to a new annotation item or image without clicking Finish, point annotations will be automatically recorded.</a:t>
+            </a:r>
           </a:p>
         </p:txBody>
       </p:sp>
       <p:pic>
         <p:nvPicPr>
-          <p:cNvPr id="12" name="Picture 11" descr="Graphical user interface, application&#10;&#10;Description automatically generated">
+          <p:cNvPr id="7" name="Picture 6" descr="A screenshot of a black box&#10;&#10;Description automatically generated">
             <a:extLst>
               <a:ext uri="{FF2B5EF4-FFF2-40B4-BE49-F238E27FC236}">
-                <a16:creationId xmlns:a16="http://schemas.microsoft.com/office/drawing/2014/main" id="{85026643-D589-73D7-9C93-4C670479269C}"/>
+                <a16:creationId xmlns:a16="http://schemas.microsoft.com/office/drawing/2014/main" id="{C794543B-6734-2DBF-51F0-32BD07C7E69C}"/>
               </a:ext>
             </a:extLst>
           </p:cNvPr>
@@ -6456,14 +6845,293 @@
           <p:nvPr/>
         </p:nvPicPr>
         <p:blipFill>
-          <a:blip r:embed="rId2"/>
+          <a:blip r:embed="rId3"/>
           <a:stretch>
             <a:fillRect/>
           </a:stretch>
         </p:blipFill>
         <p:spPr>
           <a:xfrm>
-            <a:off x="1862591" y="3830268"/>
+            <a:off x="2005808" y="2077352"/>
+            <a:ext cx="3760781" cy="1852205"/>
+          </a:xfrm>
+          <a:prstGeom prst="rect">
+            <a:avLst/>
+          </a:prstGeom>
+        </p:spPr>
+      </p:pic>
+      <p:sp>
+        <p:nvSpPr>
+          <p:cNvPr id="8" name="Content Placeholder 2">
+            <a:extLst>
+              <a:ext uri="{FF2B5EF4-FFF2-40B4-BE49-F238E27FC236}">
+                <a16:creationId xmlns:a16="http://schemas.microsoft.com/office/drawing/2014/main" id="{E428F21F-6A41-5FE8-E698-6D31EDC3D899}"/>
+              </a:ext>
+            </a:extLst>
+          </p:cNvPr>
+          <p:cNvSpPr>
+            <a:spLocks noGrp="1"/>
+          </p:cNvSpPr>
+          <p:nvPr>
+            <p:ph idx="1"/>
+          </p:nvPr>
+        </p:nvSpPr>
+        <p:spPr>
+          <a:xfrm>
+            <a:off x="2549588" y="5100640"/>
+            <a:ext cx="2673224" cy="510359"/>
+          </a:xfrm>
+        </p:spPr>
+        <p:txBody>
+          <a:bodyPr>
+            <a:normAutofit fontScale="92500"/>
+          </a:bodyPr>
+          <a:lstStyle/>
+          <a:p>
+            <a:pPr marL="0" indent="0">
+              <a:buNone/>
+            </a:pPr>
+            <a:r>
+              <a:rPr lang="en-US" sz="2000" dirty="0"/>
+              <a:t>Annotator: Helpful Hints</a:t>
+            </a:r>
+          </a:p>
+        </p:txBody>
+      </p:sp>
+      <p:sp>
+        <p:nvSpPr>
+          <p:cNvPr id="9" name="Rectangle 8">
+            <a:extLst>
+              <a:ext uri="{FF2B5EF4-FFF2-40B4-BE49-F238E27FC236}">
+                <a16:creationId xmlns:a16="http://schemas.microsoft.com/office/drawing/2014/main" id="{517961DB-52E4-911B-7874-B7D564A0E818}"/>
+              </a:ext>
+            </a:extLst>
+          </p:cNvPr>
+          <p:cNvSpPr/>
+          <p:nvPr/>
+        </p:nvSpPr>
+        <p:spPr>
+          <a:xfrm>
+            <a:off x="338402" y="5529170"/>
+            <a:ext cx="7095615" cy="314014"/>
+          </a:xfrm>
+          <a:prstGeom prst="rect">
+            <a:avLst/>
+          </a:prstGeom>
+          <a:solidFill>
+            <a:srgbClr val="FFFF00"/>
+          </a:solidFill>
+        </p:spPr>
+        <p:style>
+          <a:lnRef idx="2">
+            <a:schemeClr val="accent1">
+              <a:shade val="50000"/>
+            </a:schemeClr>
+          </a:lnRef>
+          <a:fillRef idx="1">
+            <a:schemeClr val="accent1"/>
+          </a:fillRef>
+          <a:effectRef idx="0">
+            <a:schemeClr val="accent1"/>
+          </a:effectRef>
+          <a:fontRef idx="minor">
+            <a:schemeClr val="lt1"/>
+          </a:fontRef>
+        </p:style>
+        <p:txBody>
+          <a:bodyPr rtlCol="0" anchor="ctr"/>
+          <a:lstStyle/>
+          <a:p>
+            <a:pPr algn="ctr"/>
+            <a:endParaRPr lang="en-US"/>
+          </a:p>
+        </p:txBody>
+      </p:sp>
+      <p:sp>
+        <p:nvSpPr>
+          <p:cNvPr id="10" name="TextBox 9">
+            <a:extLst>
+              <a:ext uri="{FF2B5EF4-FFF2-40B4-BE49-F238E27FC236}">
+                <a16:creationId xmlns:a16="http://schemas.microsoft.com/office/drawing/2014/main" id="{B89D82F1-6078-1497-CAEA-1E62A75A62C8}"/>
+              </a:ext>
+            </a:extLst>
+          </p:cNvPr>
+          <p:cNvSpPr txBox="1"/>
+          <p:nvPr/>
+        </p:nvSpPr>
+        <p:spPr>
+          <a:xfrm>
+            <a:off x="338389" y="5529170"/>
+            <a:ext cx="7095614" cy="3801041"/>
+          </a:xfrm>
+          <a:prstGeom prst="rect">
+            <a:avLst/>
+          </a:prstGeom>
+          <a:noFill/>
+          <a:ln>
+            <a:solidFill>
+              <a:schemeClr val="tx1">
+                <a:lumMod val="85000"/>
+                <a:lumOff val="15000"/>
+              </a:schemeClr>
+            </a:solidFill>
+          </a:ln>
+        </p:spPr>
+        <p:txBody>
+          <a:bodyPr wrap="square" rtlCol="0">
+            <a:spAutoFit/>
+          </a:bodyPr>
+          <a:lstStyle/>
+          <a:p>
+            <a:pPr algn="ctr"/>
+            <a:r>
+              <a:rPr lang="en-US" sz="1700" b="1" dirty="0"/>
+              <a:t>Keyboard Shortcuts</a:t>
+            </a:r>
+          </a:p>
+          <a:p>
+            <a:pPr algn="ctr"/>
+            <a:endParaRPr lang="en-US" sz="500" b="1" dirty="0"/>
+          </a:p>
+          <a:p>
+            <a:pPr marL="285750" indent="-285750">
+              <a:buFont typeface="Arial" panose="020B0604020202020204" pitchFamily="34" charset="0"/>
+              <a:buChar char="•"/>
+            </a:pPr>
+            <a:r>
+              <a:rPr lang="en-US" sz="1300" dirty="0"/>
+              <a:t>The following keyboard shortcuts can be used while annotating.</a:t>
+            </a:r>
+          </a:p>
+          <a:p>
+            <a:pPr marL="285750" indent="-285750">
+              <a:buFont typeface="Arial" panose="020B0604020202020204" pitchFamily="34" charset="0"/>
+              <a:buChar char="•"/>
+            </a:pPr>
+            <a:endParaRPr lang="en-US" sz="1400" dirty="0"/>
+          </a:p>
+          <a:p>
+            <a:pPr marL="285750" indent="-285750">
+              <a:buFont typeface="Arial" panose="020B0604020202020204" pitchFamily="34" charset="0"/>
+              <a:buChar char="•"/>
+            </a:pPr>
+            <a:endParaRPr lang="en-US" sz="1400" dirty="0"/>
+          </a:p>
+          <a:p>
+            <a:pPr marL="285750" indent="-285750">
+              <a:buFont typeface="Arial" panose="020B0604020202020204" pitchFamily="34" charset="0"/>
+              <a:buChar char="•"/>
+            </a:pPr>
+            <a:endParaRPr lang="en-US" sz="1400" dirty="0"/>
+          </a:p>
+          <a:p>
+            <a:pPr marL="285750" indent="-285750">
+              <a:buFont typeface="Arial" panose="020B0604020202020204" pitchFamily="34" charset="0"/>
+              <a:buChar char="•"/>
+            </a:pPr>
+            <a:endParaRPr lang="en-US" sz="1400" dirty="0"/>
+          </a:p>
+          <a:p>
+            <a:pPr marL="285750" indent="-285750">
+              <a:buFont typeface="Arial" panose="020B0604020202020204" pitchFamily="34" charset="0"/>
+              <a:buChar char="•"/>
+            </a:pPr>
+            <a:endParaRPr lang="en-US" sz="1400" dirty="0"/>
+          </a:p>
+          <a:p>
+            <a:pPr marL="285750" indent="-285750">
+              <a:buFont typeface="Arial" panose="020B0604020202020204" pitchFamily="34" charset="0"/>
+              <a:buChar char="•"/>
+            </a:pPr>
+            <a:endParaRPr lang="en-US" sz="1400" dirty="0"/>
+          </a:p>
+          <a:p>
+            <a:pPr marL="285750" indent="-285750">
+              <a:buFont typeface="Arial" panose="020B0604020202020204" pitchFamily="34" charset="0"/>
+              <a:buChar char="•"/>
+            </a:pPr>
+            <a:endParaRPr lang="en-US" sz="1400" dirty="0"/>
+          </a:p>
+          <a:p>
+            <a:pPr marL="285750" indent="-285750">
+              <a:buFont typeface="Arial" panose="020B0604020202020204" pitchFamily="34" charset="0"/>
+              <a:buChar char="•"/>
+            </a:pPr>
+            <a:endParaRPr lang="en-US" sz="1400" dirty="0"/>
+          </a:p>
+          <a:p>
+            <a:pPr marL="285750" indent="-285750">
+              <a:buFont typeface="Arial" panose="020B0604020202020204" pitchFamily="34" charset="0"/>
+              <a:buChar char="•"/>
+            </a:pPr>
+            <a:endParaRPr lang="en-US" sz="1400" dirty="0"/>
+          </a:p>
+          <a:p>
+            <a:pPr marL="285750" indent="-285750">
+              <a:buFont typeface="Arial" panose="020B0604020202020204" pitchFamily="34" charset="0"/>
+              <a:buChar char="•"/>
+            </a:pPr>
+            <a:endParaRPr lang="en-US" sz="1400" dirty="0"/>
+          </a:p>
+          <a:p>
+            <a:endParaRPr lang="en-US" sz="1400" dirty="0"/>
+          </a:p>
+          <a:p>
+            <a:endParaRPr lang="en-US" sz="500" dirty="0"/>
+          </a:p>
+          <a:p>
+            <a:pPr marL="285750" indent="-285750">
+              <a:buFont typeface="Arial" panose="020B0604020202020204" pitchFamily="34" charset="0"/>
+              <a:buChar char="•"/>
+            </a:pPr>
+            <a:endParaRPr lang="en-US" sz="1400" dirty="0"/>
+          </a:p>
+          <a:p>
+            <a:pPr marL="285750" indent="-285750">
+              <a:buFont typeface="Arial" panose="020B0604020202020204" pitchFamily="34" charset="0"/>
+              <a:buChar char="•"/>
+            </a:pPr>
+            <a:endParaRPr lang="en-US" sz="1400" dirty="0"/>
+          </a:p>
+          <a:p>
+            <a:pPr marL="285750" indent="-285750">
+              <a:buFont typeface="Arial" panose="020B0604020202020204" pitchFamily="34" charset="0"/>
+              <a:buChar char="•"/>
+            </a:pPr>
+            <a:endParaRPr lang="en-US" sz="1400" dirty="0"/>
+          </a:p>
+          <a:p>
+            <a:pPr marL="285750" indent="-285750">
+              <a:buFont typeface="Arial" panose="020B0604020202020204" pitchFamily="34" charset="0"/>
+              <a:buChar char="•"/>
+            </a:pPr>
+            <a:endParaRPr lang="en-US" sz="500" dirty="0"/>
+          </a:p>
+        </p:txBody>
+      </p:sp>
+      <p:pic>
+        <p:nvPicPr>
+          <p:cNvPr id="13" name="Picture 12" descr="Graphical user interface, application&#10;&#10;Description automatically generated">
+            <a:extLst>
+              <a:ext uri="{FF2B5EF4-FFF2-40B4-BE49-F238E27FC236}">
+                <a16:creationId xmlns:a16="http://schemas.microsoft.com/office/drawing/2014/main" id="{CAD18AC9-E933-E9ED-6DF7-E8303AB214BA}"/>
+              </a:ext>
+            </a:extLst>
+          </p:cNvPr>
+          <p:cNvPicPr>
+            <a:picLocks noChangeAspect="1"/>
+          </p:cNvPicPr>
+          <p:nvPr/>
+        </p:nvPicPr>
+        <p:blipFill>
+          <a:blip r:embed="rId4"/>
+          <a:stretch>
+            <a:fillRect/>
+          </a:stretch>
+        </p:blipFill>
+        <p:spPr>
+          <a:xfrm>
+            <a:off x="1862602" y="7664136"/>
             <a:ext cx="3958318" cy="1580818"/>
           </a:xfrm>
           <a:prstGeom prst="rect">
@@ -6473,10 +7141,10 @@
       </p:pic>
       <p:graphicFrame>
         <p:nvGraphicFramePr>
-          <p:cNvPr id="22" name="Table 22">
+          <p:cNvPr id="14" name="Table 22">
             <a:extLst>
               <a:ext uri="{FF2B5EF4-FFF2-40B4-BE49-F238E27FC236}">
-                <a16:creationId xmlns:a16="http://schemas.microsoft.com/office/drawing/2014/main" id="{29E2486B-5D43-1C2B-B9CB-77AD9A583DFD}"/>
+                <a16:creationId xmlns:a16="http://schemas.microsoft.com/office/drawing/2014/main" id="{6C6D7ECA-54BE-52A1-EBDE-A45C37DABFEC}"/>
               </a:ext>
             </a:extLst>
           </p:cNvPr>
@@ -6486,20 +7154,20 @@
           <p:nvPr>
             <p:extLst>
               <p:ext uri="{D42A27DB-BD31-4B8C-83A1-F6EECF244321}">
-                <p14:modId xmlns:p14="http://schemas.microsoft.com/office/powerpoint/2010/main" val="2996622020"/>
+                <p14:modId xmlns:p14="http://schemas.microsoft.com/office/powerpoint/2010/main" val="1892949913"/>
               </p:ext>
             </p:extLst>
           </p:nvPr>
         </p:nvGraphicFramePr>
         <p:xfrm>
-          <a:off x="1295389" y="2340333"/>
+          <a:off x="1295400" y="6174201"/>
           <a:ext cx="5181600" cy="1407160"/>
         </p:xfrm>
         <a:graphic>
           <a:graphicData uri="http://schemas.openxmlformats.org/drawingml/2006/table">
             <a:tbl>
               <a:tblPr firstRow="1" bandRow="1">
-                <a:tableStyleId>{21E4AEA4-8DFA-4A89-87EB-49C32662AFE0}</a:tableStyleId>
+                <a:tableStyleId>{00A15C55-8517-42AA-B614-E9B94910E393}</a:tableStyleId>
               </a:tblPr>
               <a:tblGrid>
                 <a:gridCol w="1727718">
@@ -6833,12 +7501,273 @@
           </a:graphicData>
         </a:graphic>
       </p:graphicFrame>
+    </p:spTree>
+    <p:extLst>
+      <p:ext uri="{BB962C8B-B14F-4D97-AF65-F5344CB8AC3E}">
+        <p14:creationId xmlns:p14="http://schemas.microsoft.com/office/powerpoint/2010/main" val="530610004"/>
+      </p:ext>
+    </p:extLst>
+  </p:cSld>
+  <p:clrMapOvr>
+    <a:masterClrMapping/>
+  </p:clrMapOvr>
+</p:sld>
+</file>
+
+<file path=ppt/slides/slide5.xml><?xml version="1.0" encoding="utf-8"?>
+<p:sld xmlns:a="http://schemas.openxmlformats.org/drawingml/2006/main" xmlns:r="http://schemas.openxmlformats.org/officeDocument/2006/relationships" xmlns:p="http://schemas.openxmlformats.org/presentationml/2006/main">
+  <p:cSld>
+    <p:spTree>
+      <p:nvGrpSpPr>
+        <p:cNvPr id="1" name=""/>
+        <p:cNvGrpSpPr/>
+        <p:nvPr/>
+      </p:nvGrpSpPr>
+      <p:grpSpPr>
+        <a:xfrm>
+          <a:off x="0" y="0"/>
+          <a:ext cx="0" cy="0"/>
+          <a:chOff x="0" y="0"/>
+          <a:chExt cx="0" cy="0"/>
+        </a:xfrm>
+      </p:grpSpPr>
+      <p:sp>
+        <p:nvSpPr>
+          <p:cNvPr id="9" name="Rectangle 8">
+            <a:extLst>
+              <a:ext uri="{FF2B5EF4-FFF2-40B4-BE49-F238E27FC236}">
+                <a16:creationId xmlns:a16="http://schemas.microsoft.com/office/drawing/2014/main" id="{517961DB-52E4-911B-7874-B7D564A0E818}"/>
+              </a:ext>
+            </a:extLst>
+          </p:cNvPr>
+          <p:cNvSpPr/>
+          <p:nvPr/>
+        </p:nvSpPr>
+        <p:spPr>
+          <a:xfrm>
+            <a:off x="338402" y="85607"/>
+            <a:ext cx="7095615" cy="314014"/>
+          </a:xfrm>
+          <a:prstGeom prst="rect">
+            <a:avLst/>
+          </a:prstGeom>
+          <a:solidFill>
+            <a:srgbClr val="FFFF00"/>
+          </a:solidFill>
+        </p:spPr>
+        <p:style>
+          <a:lnRef idx="2">
+            <a:schemeClr val="accent1">
+              <a:shade val="50000"/>
+            </a:schemeClr>
+          </a:lnRef>
+          <a:fillRef idx="1">
+            <a:schemeClr val="accent1"/>
+          </a:fillRef>
+          <a:effectRef idx="0">
+            <a:schemeClr val="accent1"/>
+          </a:effectRef>
+          <a:fontRef idx="minor">
+            <a:schemeClr val="lt1"/>
+          </a:fontRef>
+        </p:style>
+        <p:txBody>
+          <a:bodyPr rtlCol="0" anchor="ctr"/>
+          <a:lstStyle/>
+          <a:p>
+            <a:pPr algn="ctr"/>
+            <a:endParaRPr lang="en-US"/>
+          </a:p>
+        </p:txBody>
+      </p:sp>
+      <p:sp>
+        <p:nvSpPr>
+          <p:cNvPr id="10" name="TextBox 9">
+            <a:extLst>
+              <a:ext uri="{FF2B5EF4-FFF2-40B4-BE49-F238E27FC236}">
+                <a16:creationId xmlns:a16="http://schemas.microsoft.com/office/drawing/2014/main" id="{B89D82F1-6078-1497-CAEA-1E62A75A62C8}"/>
+              </a:ext>
+            </a:extLst>
+          </p:cNvPr>
+          <p:cNvSpPr txBox="1"/>
+          <p:nvPr/>
+        </p:nvSpPr>
+        <p:spPr>
+          <a:xfrm>
+            <a:off x="338392" y="85607"/>
+            <a:ext cx="7095614" cy="4785926"/>
+          </a:xfrm>
+          <a:prstGeom prst="rect">
+            <a:avLst/>
+          </a:prstGeom>
+          <a:noFill/>
+          <a:ln>
+            <a:solidFill>
+              <a:schemeClr val="tx1">
+                <a:lumMod val="85000"/>
+                <a:lumOff val="15000"/>
+              </a:schemeClr>
+            </a:solidFill>
+          </a:ln>
+        </p:spPr>
+        <p:txBody>
+          <a:bodyPr wrap="square" rtlCol="0">
+            <a:spAutoFit/>
+          </a:bodyPr>
+          <a:lstStyle/>
+          <a:p>
+            <a:pPr algn="ctr"/>
+            <a:r>
+              <a:rPr lang="en-US" sz="1700" b="1" dirty="0"/>
+              <a:t>Keyboard Shortcuts</a:t>
+            </a:r>
+          </a:p>
+          <a:p>
+            <a:pPr algn="ctr"/>
+            <a:endParaRPr lang="en-US" sz="500" b="1" dirty="0"/>
+          </a:p>
+          <a:p>
+            <a:pPr marL="285750" indent="-285750">
+              <a:buFont typeface="Arial" panose="020B0604020202020204" pitchFamily="34" charset="0"/>
+              <a:buChar char="•"/>
+            </a:pPr>
+            <a:r>
+              <a:rPr lang="en-US" sz="1300" dirty="0"/>
+              <a:t>The annotation highlighted in green is the current annotation. To move the cursor/focus up or down an annotation, use the following.   </a:t>
+            </a:r>
+          </a:p>
+          <a:p>
+            <a:pPr marL="285750" indent="-285750">
+              <a:buFont typeface="Arial" panose="020B0604020202020204" pitchFamily="34" charset="0"/>
+              <a:buChar char="•"/>
+            </a:pPr>
+            <a:endParaRPr lang="en-US" sz="1400" dirty="0"/>
+          </a:p>
+          <a:p>
+            <a:pPr marL="285750" indent="-285750">
+              <a:buFont typeface="Arial" panose="020B0604020202020204" pitchFamily="34" charset="0"/>
+              <a:buChar char="•"/>
+            </a:pPr>
+            <a:endParaRPr lang="en-US" sz="1400" dirty="0"/>
+          </a:p>
+          <a:p>
+            <a:pPr marL="285750" indent="-285750">
+              <a:buFont typeface="Arial" panose="020B0604020202020204" pitchFamily="34" charset="0"/>
+              <a:buChar char="•"/>
+            </a:pPr>
+            <a:endParaRPr lang="en-US" sz="1400" dirty="0"/>
+          </a:p>
+          <a:p>
+            <a:pPr marL="285750" indent="-285750">
+              <a:buFont typeface="Arial" panose="020B0604020202020204" pitchFamily="34" charset="0"/>
+              <a:buChar char="•"/>
+            </a:pPr>
+            <a:endParaRPr lang="en-US" sz="1400" dirty="0"/>
+          </a:p>
+          <a:p>
+            <a:pPr marL="285750" indent="-285750">
+              <a:buFont typeface="Arial" panose="020B0604020202020204" pitchFamily="34" charset="0"/>
+              <a:buChar char="•"/>
+            </a:pPr>
+            <a:endParaRPr lang="en-US" sz="1400" dirty="0"/>
+          </a:p>
+          <a:p>
+            <a:pPr marL="285750" indent="-285750">
+              <a:buFont typeface="Arial" panose="020B0604020202020204" pitchFamily="34" charset="0"/>
+              <a:buChar char="•"/>
+            </a:pPr>
+            <a:endParaRPr lang="en-US" sz="1400" dirty="0"/>
+          </a:p>
+          <a:p>
+            <a:pPr marL="285750" indent="-285750">
+              <a:buFont typeface="Arial" panose="020B0604020202020204" pitchFamily="34" charset="0"/>
+              <a:buChar char="•"/>
+            </a:pPr>
+            <a:endParaRPr lang="en-US" sz="1400" dirty="0"/>
+          </a:p>
+          <a:p>
+            <a:pPr marL="285750" indent="-285750">
+              <a:buFont typeface="Arial" panose="020B0604020202020204" pitchFamily="34" charset="0"/>
+              <a:buChar char="•"/>
+            </a:pPr>
+            <a:r>
+              <a:rPr lang="en-US" sz="1300" dirty="0"/>
+              <a:t>Depending on the current annotation type, there are additional shortcuts. </a:t>
+            </a:r>
+          </a:p>
+          <a:p>
+            <a:pPr marL="285750" indent="-285750">
+              <a:buFont typeface="Arial" panose="020B0604020202020204" pitchFamily="34" charset="0"/>
+              <a:buChar char="•"/>
+            </a:pPr>
+            <a:endParaRPr lang="en-US" sz="1300" dirty="0"/>
+          </a:p>
+          <a:p>
+            <a:pPr marL="285750" indent="-285750">
+              <a:buFont typeface="Arial" panose="020B0604020202020204" pitchFamily="34" charset="0"/>
+              <a:buChar char="•"/>
+            </a:pPr>
+            <a:endParaRPr lang="en-US" sz="1300" dirty="0"/>
+          </a:p>
+          <a:p>
+            <a:pPr marL="285750" indent="-285750">
+              <a:buFont typeface="Arial" panose="020B0604020202020204" pitchFamily="34" charset="0"/>
+              <a:buChar char="•"/>
+            </a:pPr>
+            <a:endParaRPr lang="en-US" sz="1300" dirty="0"/>
+          </a:p>
+          <a:p>
+            <a:pPr marL="285750" indent="-285750">
+              <a:buFont typeface="Arial" panose="020B0604020202020204" pitchFamily="34" charset="0"/>
+              <a:buChar char="•"/>
+            </a:pPr>
+            <a:endParaRPr lang="en-US" sz="1300" dirty="0"/>
+          </a:p>
+          <a:p>
+            <a:endParaRPr lang="en-US" sz="1300" dirty="0"/>
+          </a:p>
+          <a:p>
+            <a:endParaRPr lang="en-US" sz="1300" dirty="0"/>
+          </a:p>
+          <a:p>
+            <a:pPr marL="285750" indent="-285750">
+              <a:buFont typeface="Arial" panose="020B0604020202020204" pitchFamily="34" charset="0"/>
+              <a:buChar char="•"/>
+            </a:pPr>
+            <a:endParaRPr lang="en-US" sz="1300" dirty="0"/>
+          </a:p>
+          <a:p>
+            <a:pPr marL="285750" indent="-285750">
+              <a:buFont typeface="Arial" panose="020B0604020202020204" pitchFamily="34" charset="0"/>
+              <a:buChar char="•"/>
+            </a:pPr>
+            <a:endParaRPr lang="en-US" sz="1300" dirty="0"/>
+          </a:p>
+          <a:p>
+            <a:pPr marL="285750" indent="-285750">
+              <a:buFont typeface="Arial" panose="020B0604020202020204" pitchFamily="34" charset="0"/>
+              <a:buChar char="•"/>
+            </a:pPr>
+            <a:endParaRPr lang="en-US" sz="1400" dirty="0"/>
+          </a:p>
+          <a:p>
+            <a:endParaRPr lang="en-US" sz="1400" dirty="0"/>
+          </a:p>
+          <a:p>
+            <a:pPr marL="285750" indent="-285750">
+              <a:buFont typeface="Arial" panose="020B0604020202020204" pitchFamily="34" charset="0"/>
+              <a:buChar char="•"/>
+            </a:pPr>
+            <a:endParaRPr lang="en-US" sz="1400" dirty="0"/>
+          </a:p>
+        </p:txBody>
+      </p:sp>
       <p:graphicFrame>
         <p:nvGraphicFramePr>
-          <p:cNvPr id="25" name="Table 22">
+          <p:cNvPr id="15" name="Table 22">
             <a:extLst>
               <a:ext uri="{FF2B5EF4-FFF2-40B4-BE49-F238E27FC236}">
-                <a16:creationId xmlns:a16="http://schemas.microsoft.com/office/drawing/2014/main" id="{0232E1AA-1CFC-63A1-4852-2C26C754FB12}"/>
+                <a16:creationId xmlns:a16="http://schemas.microsoft.com/office/drawing/2014/main" id="{B98DCC0D-C778-2E94-1BC9-B3483031A706}"/>
               </a:ext>
             </a:extLst>
           </p:cNvPr>
@@ -6848,20 +7777,20 @@
           <p:nvPr>
             <p:extLst>
               <p:ext uri="{D42A27DB-BD31-4B8C-83A1-F6EECF244321}">
-                <p14:modId xmlns:p14="http://schemas.microsoft.com/office/powerpoint/2010/main" val="2948265939"/>
+                <p14:modId xmlns:p14="http://schemas.microsoft.com/office/powerpoint/2010/main" val="1225405477"/>
               </p:ext>
             </p:extLst>
           </p:nvPr>
         </p:nvGraphicFramePr>
         <p:xfrm>
-          <a:off x="1295389" y="5866698"/>
+          <a:off x="1295400" y="913716"/>
           <a:ext cx="5181600" cy="1407160"/>
         </p:xfrm>
         <a:graphic>
           <a:graphicData uri="http://schemas.openxmlformats.org/drawingml/2006/table">
             <a:tbl>
               <a:tblPr firstRow="1" bandRow="1">
-                <a:tableStyleId>{21E4AEA4-8DFA-4A89-87EB-49C32662AFE0}</a:tableStyleId>
+                <a:tableStyleId>{00A15C55-8517-42AA-B614-E9B94910E393}</a:tableStyleId>
               </a:tblPr>
               <a:tblGrid>
                 <a:gridCol w="1727718">
@@ -7092,10 +8021,10 @@
       </p:graphicFrame>
       <p:graphicFrame>
         <p:nvGraphicFramePr>
-          <p:cNvPr id="28" name="Table 22">
+          <p:cNvPr id="16" name="Table 22">
             <a:extLst>
               <a:ext uri="{FF2B5EF4-FFF2-40B4-BE49-F238E27FC236}">
-                <a16:creationId xmlns:a16="http://schemas.microsoft.com/office/drawing/2014/main" id="{BC0AF4EC-1F23-AB50-73C6-CEB16276CB34}"/>
+                <a16:creationId xmlns:a16="http://schemas.microsoft.com/office/drawing/2014/main" id="{AB2CBBC5-0A5F-FDE1-430D-05B813CAB748}"/>
               </a:ext>
             </a:extLst>
           </p:cNvPr>
@@ -7105,20 +8034,20 @@
           <p:nvPr>
             <p:extLst>
               <p:ext uri="{D42A27DB-BD31-4B8C-83A1-F6EECF244321}">
-                <p14:modId xmlns:p14="http://schemas.microsoft.com/office/powerpoint/2010/main" val="1106394756"/>
+                <p14:modId xmlns:p14="http://schemas.microsoft.com/office/powerpoint/2010/main" val="2984004595"/>
               </p:ext>
             </p:extLst>
           </p:nvPr>
         </p:nvGraphicFramePr>
         <p:xfrm>
-          <a:off x="1295389" y="7573090"/>
+          <a:off x="1295400" y="2620108"/>
           <a:ext cx="5181600" cy="1112520"/>
         </p:xfrm>
         <a:graphic>
           <a:graphicData uri="http://schemas.openxmlformats.org/drawingml/2006/table">
             <a:tbl>
               <a:tblPr firstRow="1" bandRow="1">
-                <a:tableStyleId>{21E4AEA4-8DFA-4A89-87EB-49C32662AFE0}</a:tableStyleId>
+                <a:tableStyleId>{00A15C55-8517-42AA-B614-E9B94910E393}</a:tableStyleId>
               </a:tblPr>
               <a:tblGrid>
                 <a:gridCol w="2591577">
@@ -7290,10 +8219,10 @@
       </p:graphicFrame>
       <p:pic>
         <p:nvPicPr>
-          <p:cNvPr id="17" name="Picture 16">
+          <p:cNvPr id="19" name="Picture 18">
             <a:extLst>
               <a:ext uri="{FF2B5EF4-FFF2-40B4-BE49-F238E27FC236}">
-                <a16:creationId xmlns:a16="http://schemas.microsoft.com/office/drawing/2014/main" id="{3580D860-9816-D52C-15D0-312513141C38}"/>
+                <a16:creationId xmlns:a16="http://schemas.microsoft.com/office/drawing/2014/main" id="{4FECB968-686A-B629-C9B4-1C0F8DDC780E}"/>
               </a:ext>
             </a:extLst>
           </p:cNvPr>
@@ -7310,7 +8239,7 @@
         </p:blipFill>
         <p:spPr>
           <a:xfrm>
-            <a:off x="3392701" y="7659344"/>
+            <a:off x="3392712" y="2706362"/>
             <a:ext cx="203585" cy="180964"/>
           </a:xfrm>
           <a:prstGeom prst="rect">
@@ -7320,10 +8249,10 @@
       </p:pic>
       <p:graphicFrame>
         <p:nvGraphicFramePr>
-          <p:cNvPr id="29" name="Table 22">
+          <p:cNvPr id="20" name="Table 22">
             <a:extLst>
               <a:ext uri="{FF2B5EF4-FFF2-40B4-BE49-F238E27FC236}">
-                <a16:creationId xmlns:a16="http://schemas.microsoft.com/office/drawing/2014/main" id="{DBE7EE47-A7A8-67C7-BF01-D98DD5B596E9}"/>
+                <a16:creationId xmlns:a16="http://schemas.microsoft.com/office/drawing/2014/main" id="{6E0BCD9B-44C1-5A4D-2C05-E09E73DCAD45}"/>
               </a:ext>
             </a:extLst>
           </p:cNvPr>
@@ -7333,20 +8262,20 @@
           <p:nvPr>
             <p:extLst>
               <p:ext uri="{D42A27DB-BD31-4B8C-83A1-F6EECF244321}">
-                <p14:modId xmlns:p14="http://schemas.microsoft.com/office/powerpoint/2010/main" val="2544111499"/>
+                <p14:modId xmlns:p14="http://schemas.microsoft.com/office/powerpoint/2010/main" val="3906055894"/>
               </p:ext>
             </p:extLst>
           </p:nvPr>
         </p:nvGraphicFramePr>
         <p:xfrm>
-          <a:off x="1295389" y="8867552"/>
+          <a:off x="1295400" y="3914570"/>
           <a:ext cx="5181599" cy="889000"/>
         </p:xfrm>
         <a:graphic>
           <a:graphicData uri="http://schemas.openxmlformats.org/drawingml/2006/table">
             <a:tbl>
               <a:tblPr firstRow="1" bandRow="1">
-                <a:tableStyleId>{21E4AEA4-8DFA-4A89-87EB-49C32662AFE0}</a:tableStyleId>
+                <a:tableStyleId>{00A15C55-8517-42AA-B614-E9B94910E393}</a:tableStyleId>
               </a:tblPr>
               <a:tblGrid>
                 <a:gridCol w="1727891">
@@ -7498,42 +8427,12 @@
           </a:graphicData>
         </a:graphic>
       </p:graphicFrame>
-    </p:spTree>
-    <p:extLst>
-      <p:ext uri="{BB962C8B-B14F-4D97-AF65-F5344CB8AC3E}">
-        <p14:creationId xmlns:p14="http://schemas.microsoft.com/office/powerpoint/2010/main" val="3547224475"/>
-      </p:ext>
-    </p:extLst>
-  </p:cSld>
-  <p:clrMapOvr>
-    <a:masterClrMapping/>
-  </p:clrMapOvr>
-</p:sld>
-</file>
-
-<file path=ppt/slides/slide5.xml><?xml version="1.0" encoding="utf-8"?>
-<p:sld xmlns:a="http://schemas.openxmlformats.org/drawingml/2006/main" xmlns:r="http://schemas.openxmlformats.org/officeDocument/2006/relationships" xmlns:p="http://schemas.openxmlformats.org/presentationml/2006/main">
-  <p:cSld>
-    <p:spTree>
-      <p:nvGrpSpPr>
-        <p:cNvPr id="1" name=""/>
-        <p:cNvGrpSpPr/>
-        <p:nvPr/>
-      </p:nvGrpSpPr>
-      <p:grpSpPr>
-        <a:xfrm>
-          <a:off x="0" y="0"/>
-          <a:ext cx="0" cy="0"/>
-          <a:chOff x="0" y="0"/>
-          <a:chExt cx="0" cy="0"/>
-        </a:xfrm>
-      </p:grpSpPr>
       <p:sp>
         <p:nvSpPr>
           <p:cNvPr id="4" name="Rectangle 3">
             <a:extLst>
               <a:ext uri="{FF2B5EF4-FFF2-40B4-BE49-F238E27FC236}">
-                <a16:creationId xmlns:a16="http://schemas.microsoft.com/office/drawing/2014/main" id="{35117363-534A-53CB-2FF9-68FB62B4494F}"/>
+                <a16:creationId xmlns:a16="http://schemas.microsoft.com/office/drawing/2014/main" id="{DD2BA97D-F972-696F-5029-226D9B301428}"/>
               </a:ext>
             </a:extLst>
           </p:cNvPr>
@@ -7542,14 +8441,14 @@
         </p:nvSpPr>
         <p:spPr>
           <a:xfrm>
-            <a:off x="338392" y="333940"/>
+            <a:off x="338392" y="5070808"/>
             <a:ext cx="7095618" cy="314014"/>
           </a:xfrm>
           <a:prstGeom prst="rect">
             <a:avLst/>
           </a:prstGeom>
           <a:solidFill>
-            <a:srgbClr val="FFFF00"/>
+            <a:schemeClr val="accent6"/>
           </a:solidFill>
         </p:spPr>
         <p:style>
@@ -7579,10 +8478,10 @@
       </p:sp>
       <p:sp>
         <p:nvSpPr>
-          <p:cNvPr id="5" name="TextBox 4">
+          <p:cNvPr id="12" name="TextBox 11">
             <a:extLst>
               <a:ext uri="{FF2B5EF4-FFF2-40B4-BE49-F238E27FC236}">
-                <a16:creationId xmlns:a16="http://schemas.microsoft.com/office/drawing/2014/main" id="{B22F1FD0-AFD4-C5DB-4330-4DAADA3F1DB3}"/>
+                <a16:creationId xmlns:a16="http://schemas.microsoft.com/office/drawing/2014/main" id="{6E85D954-BEF7-B86F-004B-DBA73BD5D4B5}"/>
               </a:ext>
             </a:extLst>
           </p:cNvPr>
@@ -7591,7 +8490,7 @@
         </p:nvSpPr>
         <p:spPr>
           <a:xfrm>
-            <a:off x="338390" y="336577"/>
+            <a:off x="338390" y="5070808"/>
             <a:ext cx="7095620" cy="2631490"/>
           </a:xfrm>
           <a:prstGeom prst="rect">
@@ -7727,10 +8626,10 @@
       </p:sp>
       <p:pic>
         <p:nvPicPr>
-          <p:cNvPr id="11" name="Picture 10">
+          <p:cNvPr id="17" name="Picture 16">
             <a:extLst>
               <a:ext uri="{FF2B5EF4-FFF2-40B4-BE49-F238E27FC236}">
-                <a16:creationId xmlns:a16="http://schemas.microsoft.com/office/drawing/2014/main" id="{7EFF261E-09B3-4012-9309-F6BE772F7548}"/>
+                <a16:creationId xmlns:a16="http://schemas.microsoft.com/office/drawing/2014/main" id="{7E4639F2-C267-46EF-CC78-561393BE3641}"/>
               </a:ext>
             </a:extLst>
           </p:cNvPr>
@@ -7740,14 +8639,14 @@
           <p:nvPr/>
         </p:nvPicPr>
         <p:blipFill>
-          <a:blip r:embed="rId2"/>
+          <a:blip r:embed="rId4"/>
           <a:stretch>
             <a:fillRect/>
           </a:stretch>
         </p:blipFill>
         <p:spPr>
           <a:xfrm>
-            <a:off x="2936865" y="1767738"/>
+            <a:off x="2936865" y="6504606"/>
             <a:ext cx="1744666" cy="1050655"/>
           </a:xfrm>
           <a:prstGeom prst="rect">
@@ -7757,10 +8656,10 @@
       </p:pic>
       <p:pic>
         <p:nvPicPr>
-          <p:cNvPr id="12" name="Picture 11">
+          <p:cNvPr id="21" name="Picture 20">
             <a:extLst>
               <a:ext uri="{FF2B5EF4-FFF2-40B4-BE49-F238E27FC236}">
-                <a16:creationId xmlns:a16="http://schemas.microsoft.com/office/drawing/2014/main" id="{B99EA077-78B9-BC60-F7F0-F9F1C76E4A53}"/>
+                <a16:creationId xmlns:a16="http://schemas.microsoft.com/office/drawing/2014/main" id="{E9B697C3-73AC-5EF7-D65A-C7DEC14F63DD}"/>
               </a:ext>
             </a:extLst>
           </p:cNvPr>
@@ -7770,13 +8669,13 @@
           <p:nvPr/>
         </p:nvPicPr>
         <p:blipFill rotWithShape="1">
-          <a:blip r:embed="rId3"/>
+          <a:blip r:embed="rId5"/>
           <a:srcRect l="48045" t="1" r="45993" b="9167"/>
           <a:stretch/>
         </p:blipFill>
         <p:spPr>
           <a:xfrm>
-            <a:off x="3424838" y="1008279"/>
+            <a:off x="3424838" y="5745147"/>
             <a:ext cx="768720" cy="318589"/>
           </a:xfrm>
           <a:prstGeom prst="rect">
@@ -7786,10 +8685,10 @@
       </p:pic>
       <p:sp>
         <p:nvSpPr>
-          <p:cNvPr id="13" name="Rectangle 12">
+          <p:cNvPr id="22" name="Rectangle 21">
             <a:extLst>
               <a:ext uri="{FF2B5EF4-FFF2-40B4-BE49-F238E27FC236}">
-                <a16:creationId xmlns:a16="http://schemas.microsoft.com/office/drawing/2014/main" id="{4ACB7B8F-AFDB-CC36-6B73-6FF17054DBAB}"/>
+                <a16:creationId xmlns:a16="http://schemas.microsoft.com/office/drawing/2014/main" id="{999B0D5C-179A-6A57-52A8-50E1DF8F0239}"/>
               </a:ext>
             </a:extLst>
           </p:cNvPr>
@@ -7798,7 +8697,7 @@
         </p:nvSpPr>
         <p:spPr>
           <a:xfrm>
-            <a:off x="3888758" y="1070621"/>
+            <a:off x="3888758" y="5807489"/>
             <a:ext cx="214354" cy="193903"/>
           </a:xfrm>
           <a:prstGeom prst="rect">
@@ -7807,7 +8706,7 @@
           <a:noFill/>
           <a:ln w="28575">
             <a:solidFill>
-              <a:srgbClr val="FFFF00"/>
+              <a:schemeClr val="accent6"/>
             </a:solidFill>
             <a:prstDash val="solid"/>
           </a:ln>
@@ -7840,7 +8739,7 @@
     </p:spTree>
     <p:extLst>
       <p:ext uri="{BB962C8B-B14F-4D97-AF65-F5344CB8AC3E}">
-        <p14:creationId xmlns:p14="http://schemas.microsoft.com/office/powerpoint/2010/main" val="1968956533"/>
+        <p14:creationId xmlns:p14="http://schemas.microsoft.com/office/powerpoint/2010/main" val="2887592955"/>
       </p:ext>
     </p:extLst>
   </p:cSld>
@@ -8109,4 +9008,319 @@
     </a:ext>
   </a:extLst>
 </a:theme>
+</file>
+
+<file path=ppt/theme/theme2.xml><?xml version="1.0" encoding="utf-8"?>
+<a:theme xmlns:a="http://schemas.openxmlformats.org/drawingml/2006/main" name="Office Theme">
+  <a:themeElements>
+    <a:clrScheme name="Office">
+      <a:dk1>
+        <a:sysClr val="windowText" lastClr="000000"/>
+      </a:dk1>
+      <a:lt1>
+        <a:sysClr val="window" lastClr="FFFFFF"/>
+      </a:lt1>
+      <a:dk2>
+        <a:srgbClr val="0E2841"/>
+      </a:dk2>
+      <a:lt2>
+        <a:srgbClr val="E8E8E8"/>
+      </a:lt2>
+      <a:accent1>
+        <a:srgbClr val="156082"/>
+      </a:accent1>
+      <a:accent2>
+        <a:srgbClr val="E97132"/>
+      </a:accent2>
+      <a:accent3>
+        <a:srgbClr val="196B24"/>
+      </a:accent3>
+      <a:accent4>
+        <a:srgbClr val="0F9ED5"/>
+      </a:accent4>
+      <a:accent5>
+        <a:srgbClr val="A02B93"/>
+      </a:accent5>
+      <a:accent6>
+        <a:srgbClr val="4EA72E"/>
+      </a:accent6>
+      <a:hlink>
+        <a:srgbClr val="467886"/>
+      </a:hlink>
+      <a:folHlink>
+        <a:srgbClr val="96607D"/>
+      </a:folHlink>
+    </a:clrScheme>
+    <a:fontScheme name="Office">
+      <a:majorFont>
+        <a:latin typeface="Aptos Display" panose="02110004020202020204"/>
+        <a:ea typeface=""/>
+        <a:cs typeface=""/>
+        <a:font script="Jpan" typeface="游ゴシック Light"/>
+        <a:font script="Hang" typeface="맑은 고딕"/>
+        <a:font script="Hans" typeface="等线 Light"/>
+        <a:font script="Hant" typeface="新細明體"/>
+        <a:font script="Arab" typeface="Times New Roman"/>
+        <a:font script="Hebr" typeface="Times New Roman"/>
+        <a:font script="Thai" typeface="Angsana New"/>
+        <a:font script="Ethi" typeface="Nyala"/>
+        <a:font script="Beng" typeface="Vrinda"/>
+        <a:font script="Gujr" typeface="Shruti"/>
+        <a:font script="Khmr" typeface="MoolBoran"/>
+        <a:font script="Knda" typeface="Tunga"/>
+        <a:font script="Guru" typeface="Raavi"/>
+        <a:font script="Cans" typeface="Euphemia"/>
+        <a:font script="Cher" typeface="Plantagenet Cherokee"/>
+        <a:font script="Yiii" typeface="Microsoft Yi Baiti"/>
+        <a:font script="Tibt" typeface="Microsoft Himalaya"/>
+        <a:font script="Thaa" typeface="MV Boli"/>
+        <a:font script="Deva" typeface="Mangal"/>
+        <a:font script="Telu" typeface="Gautami"/>
+        <a:font script="Taml" typeface="Latha"/>
+        <a:font script="Syrc" typeface="Estrangelo Edessa"/>
+        <a:font script="Orya" typeface="Kalinga"/>
+        <a:font script="Mlym" typeface="Kartika"/>
+        <a:font script="Laoo" typeface="DokChampa"/>
+        <a:font script="Sinh" typeface="Iskoola Pota"/>
+        <a:font script="Mong" typeface="Mongolian Baiti"/>
+        <a:font script="Viet" typeface="Times New Roman"/>
+        <a:font script="Uigh" typeface="Microsoft Uighur"/>
+        <a:font script="Geor" typeface="Sylfaen"/>
+        <a:font script="Armn" typeface="Arial"/>
+        <a:font script="Bugi" typeface="Leelawadee UI"/>
+        <a:font script="Bopo" typeface="Microsoft JhengHei"/>
+        <a:font script="Java" typeface="Javanese Text"/>
+        <a:font script="Lisu" typeface="Segoe UI"/>
+        <a:font script="Mymr" typeface="Myanmar Text"/>
+        <a:font script="Nkoo" typeface="Ebrima"/>
+        <a:font script="Olck" typeface="Nirmala UI"/>
+        <a:font script="Osma" typeface="Ebrima"/>
+        <a:font script="Phag" typeface="Phagspa"/>
+        <a:font script="Syrn" typeface="Estrangelo Edessa"/>
+        <a:font script="Syrj" typeface="Estrangelo Edessa"/>
+        <a:font script="Syre" typeface="Estrangelo Edessa"/>
+        <a:font script="Sora" typeface="Nirmala UI"/>
+        <a:font script="Tale" typeface="Microsoft Tai Le"/>
+        <a:font script="Talu" typeface="Microsoft New Tai Lue"/>
+        <a:font script="Tfng" typeface="Ebrima"/>
+      </a:majorFont>
+      <a:minorFont>
+        <a:latin typeface="Aptos" panose="02110004020202020204"/>
+        <a:ea typeface=""/>
+        <a:cs typeface=""/>
+        <a:font script="Jpan" typeface="游ゴシック"/>
+        <a:font script="Hang" typeface="맑은 고딕"/>
+        <a:font script="Hans" typeface="等线"/>
+        <a:font script="Hant" typeface="新細明體"/>
+        <a:font script="Arab" typeface="Arial"/>
+        <a:font script="Hebr" typeface="Arial"/>
+        <a:font script="Thai" typeface="Cordia New"/>
+        <a:font script="Ethi" typeface="Nyala"/>
+        <a:font script="Beng" typeface="Vrinda"/>
+        <a:font script="Gujr" typeface="Shruti"/>
+        <a:font script="Khmr" typeface="DaunPenh"/>
+        <a:font script="Knda" typeface="Tunga"/>
+        <a:font script="Guru" typeface="Raavi"/>
+        <a:font script="Cans" typeface="Euphemia"/>
+        <a:font script="Cher" typeface="Plantagenet Cherokee"/>
+        <a:font script="Yiii" typeface="Microsoft Yi Baiti"/>
+        <a:font script="Tibt" typeface="Microsoft Himalaya"/>
+        <a:font script="Thaa" typeface="MV Boli"/>
+        <a:font script="Deva" typeface="Mangal"/>
+        <a:font script="Telu" typeface="Gautami"/>
+        <a:font script="Taml" typeface="Latha"/>
+        <a:font script="Syrc" typeface="Estrangelo Edessa"/>
+        <a:font script="Orya" typeface="Kalinga"/>
+        <a:font script="Mlym" typeface="Kartika"/>
+        <a:font script="Laoo" typeface="DokChampa"/>
+        <a:font script="Sinh" typeface="Iskoola Pota"/>
+        <a:font script="Mong" typeface="Mongolian Baiti"/>
+        <a:font script="Viet" typeface="Arial"/>
+        <a:font script="Uigh" typeface="Microsoft Uighur"/>
+        <a:font script="Geor" typeface="Sylfaen"/>
+        <a:font script="Armn" typeface="Arial"/>
+        <a:font script="Bugi" typeface="Leelawadee UI"/>
+        <a:font script="Bopo" typeface="Microsoft JhengHei"/>
+        <a:font script="Java" typeface="Javanese Text"/>
+        <a:font script="Lisu" typeface="Segoe UI"/>
+        <a:font script="Mymr" typeface="Myanmar Text"/>
+        <a:font script="Nkoo" typeface="Ebrima"/>
+        <a:font script="Olck" typeface="Nirmala UI"/>
+        <a:font script="Osma" typeface="Ebrima"/>
+        <a:font script="Phag" typeface="Phagspa"/>
+        <a:font script="Syrn" typeface="Estrangelo Edessa"/>
+        <a:font script="Syrj" typeface="Estrangelo Edessa"/>
+        <a:font script="Syre" typeface="Estrangelo Edessa"/>
+        <a:font script="Sora" typeface="Nirmala UI"/>
+        <a:font script="Tale" typeface="Microsoft Tai Le"/>
+        <a:font script="Talu" typeface="Microsoft New Tai Lue"/>
+        <a:font script="Tfng" typeface="Ebrima"/>
+      </a:minorFont>
+    </a:fontScheme>
+    <a:fmtScheme name="Office">
+      <a:fillStyleLst>
+        <a:solidFill>
+          <a:schemeClr val="phClr"/>
+        </a:solidFill>
+        <a:gradFill rotWithShape="1">
+          <a:gsLst>
+            <a:gs pos="0">
+              <a:schemeClr val="phClr">
+                <a:lumMod val="110000"/>
+                <a:satMod val="105000"/>
+                <a:tint val="67000"/>
+              </a:schemeClr>
+            </a:gs>
+            <a:gs pos="50000">
+              <a:schemeClr val="phClr">
+                <a:lumMod val="105000"/>
+                <a:satMod val="103000"/>
+                <a:tint val="73000"/>
+              </a:schemeClr>
+            </a:gs>
+            <a:gs pos="100000">
+              <a:schemeClr val="phClr">
+                <a:lumMod val="105000"/>
+                <a:satMod val="109000"/>
+                <a:tint val="81000"/>
+              </a:schemeClr>
+            </a:gs>
+          </a:gsLst>
+          <a:lin ang="5400000" scaled="0"/>
+        </a:gradFill>
+        <a:gradFill rotWithShape="1">
+          <a:gsLst>
+            <a:gs pos="0">
+              <a:schemeClr val="phClr">
+                <a:satMod val="103000"/>
+                <a:lumMod val="102000"/>
+                <a:tint val="94000"/>
+              </a:schemeClr>
+            </a:gs>
+            <a:gs pos="50000">
+              <a:schemeClr val="phClr">
+                <a:satMod val="110000"/>
+                <a:lumMod val="100000"/>
+                <a:shade val="100000"/>
+              </a:schemeClr>
+            </a:gs>
+            <a:gs pos="100000">
+              <a:schemeClr val="phClr">
+                <a:lumMod val="99000"/>
+                <a:satMod val="120000"/>
+                <a:shade val="78000"/>
+              </a:schemeClr>
+            </a:gs>
+          </a:gsLst>
+          <a:lin ang="5400000" scaled="0"/>
+        </a:gradFill>
+      </a:fillStyleLst>
+      <a:lnStyleLst>
+        <a:ln w="12700" cap="flat" cmpd="sng" algn="ctr">
+          <a:solidFill>
+            <a:schemeClr val="phClr"/>
+          </a:solidFill>
+          <a:prstDash val="solid"/>
+          <a:miter lim="800000"/>
+        </a:ln>
+        <a:ln w="19050" cap="flat" cmpd="sng" algn="ctr">
+          <a:solidFill>
+            <a:schemeClr val="phClr"/>
+          </a:solidFill>
+          <a:prstDash val="solid"/>
+          <a:miter lim="800000"/>
+        </a:ln>
+        <a:ln w="25400" cap="flat" cmpd="sng" algn="ctr">
+          <a:solidFill>
+            <a:schemeClr val="phClr"/>
+          </a:solidFill>
+          <a:prstDash val="solid"/>
+          <a:miter lim="800000"/>
+        </a:ln>
+      </a:lnStyleLst>
+      <a:effectStyleLst>
+        <a:effectStyle>
+          <a:effectLst/>
+        </a:effectStyle>
+        <a:effectStyle>
+          <a:effectLst/>
+        </a:effectStyle>
+        <a:effectStyle>
+          <a:effectLst>
+            <a:outerShdw blurRad="57150" dist="19050" dir="5400000" algn="ctr" rotWithShape="0">
+              <a:srgbClr val="000000">
+                <a:alpha val="63000"/>
+              </a:srgbClr>
+            </a:outerShdw>
+          </a:effectLst>
+        </a:effectStyle>
+      </a:effectStyleLst>
+      <a:bgFillStyleLst>
+        <a:solidFill>
+          <a:schemeClr val="phClr"/>
+        </a:solidFill>
+        <a:solidFill>
+          <a:schemeClr val="phClr">
+            <a:tint val="95000"/>
+            <a:satMod val="170000"/>
+          </a:schemeClr>
+        </a:solidFill>
+        <a:gradFill rotWithShape="1">
+          <a:gsLst>
+            <a:gs pos="0">
+              <a:schemeClr val="phClr">
+                <a:tint val="93000"/>
+                <a:satMod val="150000"/>
+                <a:shade val="98000"/>
+                <a:lumMod val="102000"/>
+              </a:schemeClr>
+            </a:gs>
+            <a:gs pos="50000">
+              <a:schemeClr val="phClr">
+                <a:tint val="98000"/>
+                <a:satMod val="130000"/>
+                <a:shade val="90000"/>
+                <a:lumMod val="103000"/>
+              </a:schemeClr>
+            </a:gs>
+            <a:gs pos="100000">
+              <a:schemeClr val="phClr">
+                <a:shade val="63000"/>
+                <a:satMod val="120000"/>
+              </a:schemeClr>
+            </a:gs>
+          </a:gsLst>
+          <a:lin ang="5400000" scaled="0"/>
+        </a:gradFill>
+      </a:bgFillStyleLst>
+    </a:fmtScheme>
+  </a:themeElements>
+  <a:objectDefaults>
+    <a:lnDef>
+      <a:spPr/>
+      <a:bodyPr/>
+      <a:lstStyle/>
+      <a:style>
+        <a:lnRef idx="2">
+          <a:schemeClr val="accent1"/>
+        </a:lnRef>
+        <a:fillRef idx="0">
+          <a:schemeClr val="accent1"/>
+        </a:fillRef>
+        <a:effectRef idx="1">
+          <a:schemeClr val="accent1"/>
+        </a:effectRef>
+        <a:fontRef idx="minor">
+          <a:schemeClr val="tx1"/>
+        </a:fontRef>
+      </a:style>
+    </a:lnDef>
+  </a:objectDefaults>
+  <a:extraClrSchemeLst/>
+  <a:extLst>
+    <a:ext uri="{05A4C25C-085E-4340-85A3-A5531E510DB2}">
+      <thm15:themeFamily xmlns:thm15="http://schemas.microsoft.com/office/thememl/2012/main" name="Office Theme" id="{2E142A2C-CD16-42D6-873A-C26D2A0506FA}" vid="{1BDDFF52-6CD6-40A5-AB3C-68EB2F1E4D0A}"/>
+    </a:ext>
+  </a:extLst>
+</a:theme>
 </file>